--- a/811M-Ch06_ClusterAnalysis.pptx
+++ b/811M-Ch06_ClusterAnalysis.pptx
@@ -285,7 +285,7 @@
               <a:rPr lang="en-US" dirty="0">
                 <a:latin typeface="Tahoma" pitchFamily="34" charset="0"/>
               </a:rPr>
-              <a:t>811: Machine Learning with Python</a:t>
+              <a:t>811M: Python for Data Scientists</a:t>
             </a:r>
           </a:p>
         </p:txBody>
@@ -344,7 +344,7 @@
                 <a:ea typeface="Tahoma" pitchFamily="34" charset="0"/>
                 <a:cs typeface="Tahoma" pitchFamily="34" charset="0"/>
               </a:rPr>
-              <a:t>Chapter 4</a:t>
+              <a:t>Chapter 6</a:t>
             </a:r>
           </a:p>
         </p:txBody>
@@ -734,7 +734,7 @@
                 </a:solidFill>
                 <a:latin typeface="Tahoma" pitchFamily="34" charset="0"/>
               </a:rPr>
-              <a:t>Chapter 4-</a:t>
+              <a:t>Chapter 6-</a:t>
             </a:r>
             <a:fld id="{9C58707A-6F60-4D20-8A8B-4F90B88EA4F7}" type="slidenum">
               <a:rPr lang="en-US" sz="1200" smtClean="0">
@@ -807,7 +807,7 @@
                 </a:solidFill>
                 <a:latin typeface="Tahoma" pitchFamily="34" charset="0"/>
               </a:rPr>
-              <a:t>811: Machine Learning with Python</a:t>
+              <a:t>811M: Python for Data Scientists</a:t>
             </a:r>
           </a:p>
         </p:txBody>
@@ -1665,7 +1665,7 @@
           <a:bodyPr/>
           <a:lstStyle/>
           <a:p>
-            <a:endParaRPr lang="en-US"/>
+            <a:endParaRPr lang="en-US" dirty="0"/>
           </a:p>
         </p:txBody>
       </p:sp>
@@ -1780,19 +1780,7 @@
           <a:bodyPr/>
           <a:lstStyle/>
           <a:p>
-            <a:r>
-              <a:rPr lang="en-US" dirty="0"/>
-              <a:t>Highlight the topic that follows this page, and place the delta arrow next to it by moving vertically, but maintain the horizontal placement.</a:t>
-            </a:r>
-          </a:p>
-          <a:p>
             <a:endParaRPr lang="en-US" dirty="0"/>
-          </a:p>
-          <a:p>
-            <a:r>
-              <a:rPr lang="en-US" dirty="0"/>
-              <a:t>If there are too many topics to fit on the page, reduce the line spacing to fit.</a:t>
-            </a:r>
           </a:p>
         </p:txBody>
       </p:sp>
@@ -2056,19 +2044,7 @@
           <a:bodyPr/>
           <a:lstStyle/>
           <a:p>
-            <a:r>
-              <a:rPr lang="en-US" dirty="0"/>
-              <a:t>Highlight the topic that follows this page, and place the delta arrow next to it by moving vertically, but maintain the horizontal placement.</a:t>
-            </a:r>
-          </a:p>
-          <a:p>
             <a:endParaRPr lang="en-US" dirty="0"/>
-          </a:p>
-          <a:p>
-            <a:r>
-              <a:rPr lang="en-US" dirty="0"/>
-              <a:t>If there are too many topics to fit on the page, reduce the line spacing to fit.</a:t>
-            </a:r>
           </a:p>
         </p:txBody>
       </p:sp>
@@ -2398,19 +2374,7 @@
           <a:bodyPr/>
           <a:lstStyle/>
           <a:p>
-            <a:r>
-              <a:rPr lang="en-US" dirty="0"/>
-              <a:t>Highlight the topic that follows this page, and place the delta arrow next to it by moving vertically, but maintain the horizontal placement.</a:t>
-            </a:r>
-          </a:p>
-          <a:p>
             <a:endParaRPr lang="en-US" dirty="0"/>
-          </a:p>
-          <a:p>
-            <a:r>
-              <a:rPr lang="en-US" dirty="0"/>
-              <a:t>If there are too many topics to fit on the page, reduce the line spacing to fit.</a:t>
-            </a:r>
           </a:p>
         </p:txBody>
       </p:sp>
@@ -2671,50 +2635,6 @@
               <a:rPr lang="en-US"/>
               <a:t>Edit Master text styles</a:t>
             </a:r>
-          </a:p>
-        </p:txBody>
-      </p:sp>
-      <p:sp>
-        <p:nvSpPr>
-          <p:cNvPr id="4" name="TextBox 3">
-            <a:extLst>
-              <a:ext uri="{FF2B5EF4-FFF2-40B4-BE49-F238E27FC236}">
-                <a16:creationId xmlns:a16="http://schemas.microsoft.com/office/drawing/2014/main" id="{5A98037E-9C9D-3546-B093-7D200C169A36}"/>
-              </a:ext>
-            </a:extLst>
-          </p:cNvPr>
-          <p:cNvSpPr txBox="1"/>
-          <p:nvPr userDrawn="1"/>
-        </p:nvSpPr>
-        <p:spPr>
-          <a:xfrm>
-            <a:off x="8804366" y="6596743"/>
-            <a:ext cx="184731" cy="461665"/>
-          </a:xfrm>
-          <a:prstGeom prst="rect">
-            <a:avLst/>
-          </a:prstGeom>
-          <a:noFill/>
-          <a:ln w="28575" algn="ctr">
-            <a:solidFill>
-              <a:schemeClr val="accent2">
-                <a:lumMod val="20000"/>
-                <a:lumOff val="80000"/>
-              </a:schemeClr>
-            </a:solidFill>
-            <a:miter lim="800000"/>
-            <a:headEnd/>
-            <a:tailEnd/>
-          </a:ln>
-          <a:effectLst/>
-        </p:spPr>
-        <p:txBody>
-          <a:bodyPr wrap="none" rtlCol="0">
-            <a:spAutoFit/>
-          </a:bodyPr>
-          <a:lstStyle/>
-          <a:p>
-            <a:endParaRPr lang="en-US" dirty="0"/>
           </a:p>
         </p:txBody>
       </p:sp>
@@ -4647,7 +4567,7 @@
   <p:clrMapOvr>
     <a:masterClrMapping/>
   </p:clrMapOvr>
-  <p:extLst mod="1">
+  <p:extLst>
     <p:ext uri="{DCECCB84-F9BA-43D5-87BE-67443E8EF086}">
       <p15:sldGuideLst xmlns:p15="http://schemas.microsoft.com/office/powerpoint/2012/main"/>
     </p:ext>
@@ -4988,7 +4908,7 @@
   <p:clrMapOvr>
     <a:masterClrMapping/>
   </p:clrMapOvr>
-  <p:extLst mod="1">
+  <p:extLst>
     <p:ext uri="{DCECCB84-F9BA-43D5-87BE-67443E8EF086}">
       <p15:sldGuideLst xmlns:p15="http://schemas.microsoft.com/office/powerpoint/2012/main"/>
     </p:ext>
@@ -6965,7 +6885,7 @@
                 <a:ea typeface="Tahoma" panose="020B0604030504040204" pitchFamily="34" charset="0"/>
                 <a:cs typeface="Tahoma" panose="020B0604030504040204" pitchFamily="34" charset="0"/>
               </a:rPr>
-              <a:t>811: Machine Learning with Python</a:t>
+              <a:t>811M: Python for Data Scientists</a:t>
             </a:r>
           </a:p>
         </p:txBody>
@@ -7552,7 +7472,7 @@
       </a:lvl9pPr>
     </p:otherStyle>
   </p:txStyles>
-  <p:extLst mod="1">
+  <p:extLst>
     <p:ext uri="{27BBF7A9-308A-43DC-89C8-2F10F3537804}">
       <p15:sldGuideLst xmlns:p15="http://schemas.microsoft.com/office/powerpoint/2012/main"/>
     </p:ext>
@@ -7629,7 +7549,7 @@
           <a:p>
             <a:r>
               <a:rPr lang="en-US" dirty="0"/>
-              <a:t>Machine Learning with Python</a:t>
+              <a:t>Python for Data Scientists</a:t>
             </a:r>
           </a:p>
         </p:txBody>
@@ -9070,55 +8990,7 @@
                 <a:ea typeface="Courier New" charset="0"/>
                 <a:cs typeface="Courier New" charset="0"/>
               </a:rPr>
-              <a:t>x, y = </a:t>
-            </a:r>
-            <a:r>
-              <a:rPr lang="en-US" sz="1600" b="1" dirty="0" err="1">
-                <a:latin typeface="Courier New" charset="0"/>
-                <a:ea typeface="Courier New" charset="0"/>
-                <a:cs typeface="Courier New" charset="0"/>
-              </a:rPr>
-              <a:t>make_blobs</a:t>
-            </a:r>
-            <a:r>
-              <a:rPr lang="en-US" sz="1600" b="1" dirty="0">
-                <a:latin typeface="Courier New" charset="0"/>
-                <a:ea typeface="Courier New" charset="0"/>
-                <a:cs typeface="Courier New" charset="0"/>
-              </a:rPr>
-              <a:t>(</a:t>
-            </a:r>
-            <a:r>
-              <a:rPr lang="en-US" sz="1600" b="1" dirty="0" err="1">
-                <a:latin typeface="Courier New" charset="0"/>
-                <a:ea typeface="Courier New" charset="0"/>
-                <a:cs typeface="Courier New" charset="0"/>
-              </a:rPr>
-              <a:t>n_samples</a:t>
-            </a:r>
-            <a:r>
-              <a:rPr lang="en-US" sz="1600" b="1" dirty="0">
-                <a:latin typeface="Courier New" charset="0"/>
-                <a:ea typeface="Courier New" charset="0"/>
-                <a:cs typeface="Courier New" charset="0"/>
-              </a:rPr>
-              <a:t>=10, </a:t>
-            </a:r>
-            <a:r>
-              <a:rPr lang="en-US" sz="1600" b="1" dirty="0" err="1">
-                <a:latin typeface="Courier New" charset="0"/>
-                <a:ea typeface="Courier New" charset="0"/>
-                <a:cs typeface="Courier New" charset="0"/>
-              </a:rPr>
-              <a:t>n_features</a:t>
-            </a:r>
-            <a:r>
-              <a:rPr lang="en-US" sz="1600" b="1" dirty="0">
-                <a:latin typeface="Courier New" charset="0"/>
-                <a:ea typeface="Courier New" charset="0"/>
-                <a:cs typeface="Courier New" charset="0"/>
-              </a:rPr>
-              <a:t>=2, centers=3)</a:t>
+              <a:t>x, y = make_blobs(n_samples=10, n_features=2, centers=3)</a:t>
             </a:r>
           </a:p>
           <a:p>
@@ -9148,39 +9020,7 @@
                 <a:ea typeface="Courier New" charset="0"/>
                 <a:cs typeface="Courier New" charset="0"/>
               </a:rPr>
-              <a:t>from </a:t>
-            </a:r>
-            <a:r>
-              <a:rPr lang="en-US" sz="1600" b="1" dirty="0" err="1">
-                <a:latin typeface="Courier New" charset="0"/>
-                <a:ea typeface="Courier New" charset="0"/>
-                <a:cs typeface="Courier New" charset="0"/>
-              </a:rPr>
-              <a:t>scipy.cluster.hierarchy</a:t>
-            </a:r>
-            <a:r>
-              <a:rPr lang="en-US" sz="1600" b="1" dirty="0">
-                <a:latin typeface="Courier New" charset="0"/>
-                <a:ea typeface="Courier New" charset="0"/>
-                <a:cs typeface="Courier New" charset="0"/>
-              </a:rPr>
-              <a:t> import </a:t>
-            </a:r>
-            <a:r>
-              <a:rPr lang="en-US" sz="1600" b="1" dirty="0" err="1">
-                <a:latin typeface="Courier New" charset="0"/>
-                <a:ea typeface="Courier New" charset="0"/>
-                <a:cs typeface="Courier New" charset="0"/>
-              </a:rPr>
-              <a:t>dendrogram</a:t>
-            </a:r>
-            <a:r>
-              <a:rPr lang="en-US" sz="1600" b="1" dirty="0">
-                <a:latin typeface="Courier New" charset="0"/>
-                <a:ea typeface="Courier New" charset="0"/>
-                <a:cs typeface="Courier New" charset="0"/>
-              </a:rPr>
-              <a:t>, linkage</a:t>
+              <a:t>from scipy.cluster.hierarchy import dendrogram, linkage</a:t>
             </a:r>
           </a:p>
           <a:p>
@@ -9195,52 +9035,12 @@
           </a:p>
           <a:p>
             <a:r>
-              <a:rPr lang="en-US" sz="1600" b="1" dirty="0" err="1">
-                <a:latin typeface="Courier New" charset="0"/>
-                <a:ea typeface="Courier New" charset="0"/>
-                <a:cs typeface="Courier New" charset="0"/>
-              </a:rPr>
-              <a:t>dendrogram</a:t>
-            </a:r>
-            <a:r>
               <a:rPr lang="en-US" sz="1600" b="1" dirty="0">
                 <a:latin typeface="Courier New" charset="0"/>
                 <a:ea typeface="Courier New" charset="0"/>
                 <a:cs typeface="Courier New" charset="0"/>
               </a:rPr>
-              <a:t>(z, </a:t>
-            </a:r>
-            <a:r>
-              <a:rPr lang="en-US" sz="1600" b="1" dirty="0" err="1">
-                <a:latin typeface="Courier New" charset="0"/>
-                <a:ea typeface="Courier New" charset="0"/>
-                <a:cs typeface="Courier New" charset="0"/>
-              </a:rPr>
-              <a:t>leaf_rotation</a:t>
-            </a:r>
-            <a:r>
-              <a:rPr lang="en-US" sz="1600" b="1" dirty="0">
-                <a:latin typeface="Courier New" charset="0"/>
-                <a:ea typeface="Courier New" charset="0"/>
-                <a:cs typeface="Courier New" charset="0"/>
-              </a:rPr>
-              <a:t> = 90, </a:t>
-            </a:r>
-            <a:r>
-              <a:rPr lang="en-US" sz="1600" b="1" dirty="0" err="1">
-                <a:latin typeface="Courier New" charset="0"/>
-                <a:ea typeface="Courier New" charset="0"/>
-                <a:cs typeface="Courier New" charset="0"/>
-              </a:rPr>
-              <a:t>leaf_font_size</a:t>
-            </a:r>
-            <a:r>
-              <a:rPr lang="en-US" sz="1600" b="1" dirty="0">
-                <a:latin typeface="Courier New" charset="0"/>
-                <a:ea typeface="Courier New" charset="0"/>
-                <a:cs typeface="Courier New" charset="0"/>
-              </a:rPr>
-              <a:t>=12)</a:t>
+              <a:t>dendrogram(z, leaf_rotation = 90, leaf_font_size=12)</a:t>
             </a:r>
           </a:p>
         </p:txBody>
@@ -9359,41 +9159,6 @@
       </p:grpSpPr>
       <p:sp>
         <p:nvSpPr>
-          <p:cNvPr id="3" name="Text Placeholder 2"/>
-          <p:cNvSpPr>
-            <a:spLocks noGrp="1"/>
-          </p:cNvSpPr>
-          <p:nvPr>
-            <p:ph type="body" sz="quarter" idx="11"/>
-          </p:nvPr>
-        </p:nvSpPr>
-        <p:spPr/>
-        <p:txBody>
-          <a:bodyPr/>
-          <a:lstStyle/>
-          <a:p>
-            <a:r>
-              <a:rPr lang="en-US" dirty="0"/>
-              <a:t>Cluster Analysis</a:t>
-            </a:r>
-          </a:p>
-          <a:p>
-            <a:r>
-              <a:rPr lang="en-US" dirty="0"/>
-              <a:t>Algorithms</a:t>
-            </a:r>
-          </a:p>
-          <a:p>
-            <a:pPr lvl="1"/>
-            <a:r>
-              <a:rPr lang="en-US" b="1" dirty="0"/>
-              <a:t>Chapter Summary</a:t>
-            </a:r>
-          </a:p>
-        </p:txBody>
-      </p:sp>
-      <p:sp>
-        <p:nvSpPr>
           <p:cNvPr id="2" name="Title 1"/>
           <p:cNvSpPr>
             <a:spLocks noGrp="1"/>
@@ -9414,361 +9179,210 @@
           </a:p>
         </p:txBody>
       </p:sp>
-      <p:grpSp>
-        <p:nvGrpSpPr>
-          <p:cNvPr id="13" name="Group 12"/>
-          <p:cNvGrpSpPr/>
-          <p:nvPr/>
-        </p:nvGrpSpPr>
-        <p:grpSpPr>
-          <a:xfrm>
-            <a:off x="2932771" y="2927789"/>
-            <a:ext cx="410322" cy="377482"/>
-            <a:chOff x="1766887" y="1515010"/>
-            <a:chExt cx="741316" cy="700622"/>
-          </a:xfrm>
-          <a:solidFill>
-            <a:schemeClr val="accent4"/>
-          </a:solidFill>
-          <a:scene3d>
-            <a:camera prst="orthographicFront">
-              <a:rot lat="0" lon="0" rev="0"/>
-            </a:camera>
-            <a:lightRig rig="balanced" dir="t">
-              <a:rot lat="0" lon="0" rev="8700000"/>
-            </a:lightRig>
-          </a:scene3d>
-        </p:grpSpPr>
-        <p:sp>
-          <p:nvSpPr>
-            <p:cNvPr id="16" name="AutoShape 10"/>
-            <p:cNvSpPr>
-              <a:spLocks noChangeArrowheads="1"/>
-            </p:cNvSpPr>
-            <p:nvPr/>
-          </p:nvSpPr>
-          <p:spPr bwMode="black">
-            <a:xfrm rot="5400000">
-              <a:off x="1787234" y="1494663"/>
-              <a:ext cx="700622" cy="741316"/>
-            </a:xfrm>
-            <a:custGeom>
-              <a:avLst/>
-              <a:gdLst>
-                <a:gd name="connsiteX0" fmla="*/ 0 w 264955"/>
-                <a:gd name="connsiteY0" fmla="*/ 311498 h 311498"/>
-                <a:gd name="connsiteX1" fmla="*/ 132478 w 264955"/>
-                <a:gd name="connsiteY1" fmla="*/ 0 h 311498"/>
-                <a:gd name="connsiteX2" fmla="*/ 264955 w 264955"/>
-                <a:gd name="connsiteY2" fmla="*/ 311498 h 311498"/>
-                <a:gd name="connsiteX3" fmla="*/ 0 w 264955"/>
-                <a:gd name="connsiteY3" fmla="*/ 311498 h 311498"/>
-                <a:gd name="connsiteX0" fmla="*/ 0 w 264955"/>
-                <a:gd name="connsiteY0" fmla="*/ 311498 h 312908"/>
-                <a:gd name="connsiteX1" fmla="*/ 132478 w 264955"/>
-                <a:gd name="connsiteY1" fmla="*/ 0 h 312908"/>
-                <a:gd name="connsiteX2" fmla="*/ 264955 w 264955"/>
-                <a:gd name="connsiteY2" fmla="*/ 311498 h 312908"/>
-                <a:gd name="connsiteX3" fmla="*/ 124553 w 264955"/>
-                <a:gd name="connsiteY3" fmla="*/ 312908 h 312908"/>
-                <a:gd name="connsiteX4" fmla="*/ 0 w 264955"/>
-                <a:gd name="connsiteY4" fmla="*/ 311498 h 312908"/>
-                <a:gd name="connsiteX0" fmla="*/ 0 w 264955"/>
-                <a:gd name="connsiteY0" fmla="*/ 311498 h 311498"/>
-                <a:gd name="connsiteX1" fmla="*/ 132478 w 264955"/>
-                <a:gd name="connsiteY1" fmla="*/ 0 h 311498"/>
-                <a:gd name="connsiteX2" fmla="*/ 264955 w 264955"/>
-                <a:gd name="connsiteY2" fmla="*/ 311498 h 311498"/>
-                <a:gd name="connsiteX3" fmla="*/ 138844 w 264955"/>
-                <a:gd name="connsiteY3" fmla="*/ 253377 h 311498"/>
-                <a:gd name="connsiteX4" fmla="*/ 0 w 264955"/>
-                <a:gd name="connsiteY4" fmla="*/ 311498 h 311498"/>
-              </a:gdLst>
-              <a:ahLst/>
-              <a:cxnLst>
-                <a:cxn ang="0">
-                  <a:pos x="connsiteX0" y="connsiteY0"/>
-                </a:cxn>
-                <a:cxn ang="0">
-                  <a:pos x="connsiteX1" y="connsiteY1"/>
-                </a:cxn>
-                <a:cxn ang="0">
-                  <a:pos x="connsiteX2" y="connsiteY2"/>
-                </a:cxn>
-                <a:cxn ang="0">
-                  <a:pos x="connsiteX3" y="connsiteY3"/>
-                </a:cxn>
-                <a:cxn ang="0">
-                  <a:pos x="connsiteX4" y="connsiteY4"/>
-                </a:cxn>
-              </a:cxnLst>
-              <a:rect l="l" t="t" r="r" b="b"/>
-              <a:pathLst>
-                <a:path w="264955" h="311498">
-                  <a:moveTo>
-                    <a:pt x="0" y="311498"/>
-                  </a:moveTo>
-                  <a:lnTo>
-                    <a:pt x="132478" y="0"/>
-                  </a:lnTo>
-                  <a:lnTo>
-                    <a:pt x="264955" y="311498"/>
-                  </a:lnTo>
-                  <a:lnTo>
-                    <a:pt x="138844" y="253377"/>
-                  </a:lnTo>
-                  <a:lnTo>
-                    <a:pt x="0" y="311498"/>
-                  </a:lnTo>
-                  <a:close/>
-                </a:path>
-              </a:pathLst>
-            </a:custGeom>
-            <a:grpFill/>
-            <a:ln w="19050">
-              <a:noFill/>
-              <a:miter lim="800000"/>
-              <a:headEnd/>
-              <a:tailEnd/>
-            </a:ln>
-            <a:effectLst>
-              <a:outerShdw blurRad="44450" dist="27940" dir="5400000" algn="ctr">
-                <a:srgbClr val="000000">
-                  <a:alpha val="32000"/>
-                </a:srgbClr>
-              </a:outerShdw>
-            </a:effectLst>
-            <a:sp3d>
-              <a:bevelT w="190500" h="38100"/>
-            </a:sp3d>
-          </p:spPr>
-          <p:txBody>
-            <a:bodyPr rot="10800000" vert="eaVert" wrap="none" anchor="ctr"/>
-            <a:lstStyle/>
-            <a:p>
-              <a:endParaRPr lang="en-GB" dirty="0">
-                <a:solidFill>
-                  <a:schemeClr val="accent6"/>
-                </a:solidFill>
-              </a:endParaRPr>
-            </a:p>
-          </p:txBody>
-        </p:sp>
-        <p:sp>
-          <p:nvSpPr>
-            <p:cNvPr id="17" name="Freeform 11"/>
-            <p:cNvSpPr>
-              <a:spLocks/>
-            </p:cNvSpPr>
-            <p:nvPr/>
-          </p:nvSpPr>
-          <p:spPr bwMode="hidden">
-            <a:xfrm>
-              <a:off x="1802606" y="1545430"/>
-              <a:ext cx="701117" cy="344477"/>
-            </a:xfrm>
-            <a:custGeom>
-              <a:avLst/>
-              <a:gdLst>
-                <a:gd name="T0" fmla="*/ 0 w 245"/>
-                <a:gd name="T1" fmla="*/ 0 h 158"/>
-                <a:gd name="T2" fmla="*/ 245 w 245"/>
-                <a:gd name="T3" fmla="*/ 146 h 158"/>
-                <a:gd name="T4" fmla="*/ 226 w 245"/>
-                <a:gd name="T5" fmla="*/ 158 h 158"/>
-                <a:gd name="T6" fmla="*/ 0 w 245"/>
-                <a:gd name="T7" fmla="*/ 23 h 158"/>
-                <a:gd name="T8" fmla="*/ 0 w 245"/>
-                <a:gd name="T9" fmla="*/ 0 h 158"/>
-                <a:gd name="T10" fmla="*/ 0 60000 65536"/>
-                <a:gd name="T11" fmla="*/ 0 60000 65536"/>
-                <a:gd name="T12" fmla="*/ 0 60000 65536"/>
-                <a:gd name="T13" fmla="*/ 0 60000 65536"/>
-                <a:gd name="T14" fmla="*/ 0 60000 65536"/>
-                <a:gd name="T15" fmla="*/ 0 w 245"/>
-                <a:gd name="T16" fmla="*/ 0 h 158"/>
-                <a:gd name="T17" fmla="*/ 245 w 245"/>
-                <a:gd name="T18" fmla="*/ 158 h 158"/>
-              </a:gdLst>
-              <a:ahLst/>
-              <a:cxnLst>
-                <a:cxn ang="T10">
-                  <a:pos x="T0" y="T1"/>
-                </a:cxn>
-                <a:cxn ang="T11">
-                  <a:pos x="T2" y="T3"/>
-                </a:cxn>
-                <a:cxn ang="T12">
-                  <a:pos x="T4" y="T5"/>
-                </a:cxn>
-                <a:cxn ang="T13">
-                  <a:pos x="T6" y="T7"/>
-                </a:cxn>
-                <a:cxn ang="T14">
-                  <a:pos x="T8" y="T9"/>
-                </a:cxn>
-              </a:cxnLst>
-              <a:rect l="T15" t="T16" r="T17" b="T18"/>
-              <a:pathLst>
-                <a:path w="245" h="158">
-                  <a:moveTo>
-                    <a:pt x="0" y="0"/>
-                  </a:moveTo>
-                  <a:lnTo>
-                    <a:pt x="245" y="146"/>
-                  </a:lnTo>
-                  <a:lnTo>
-                    <a:pt x="226" y="158"/>
-                  </a:lnTo>
-                  <a:lnTo>
-                    <a:pt x="0" y="23"/>
-                  </a:lnTo>
-                  <a:lnTo>
-                    <a:pt x="0" y="0"/>
-                  </a:lnTo>
-                  <a:close/>
-                </a:path>
-              </a:pathLst>
-            </a:custGeom>
-            <a:grpFill/>
-            <a:ln w="28575" cap="flat" cmpd="sng">
-              <a:noFill/>
-              <a:prstDash val="solid"/>
-              <a:round/>
-              <a:headEnd type="none" w="med" len="med"/>
-              <a:tailEnd type="none" w="med" len="med"/>
-            </a:ln>
-            <a:effectLst>
-              <a:outerShdw blurRad="44450" dist="27940" dir="5400000" algn="ctr">
-                <a:srgbClr val="000000">
-                  <a:alpha val="32000"/>
-                </a:srgbClr>
-              </a:outerShdw>
-            </a:effectLst>
-            <a:sp3d>
-              <a:bevelT w="190500" h="38100"/>
-            </a:sp3d>
-          </p:spPr>
-          <p:txBody>
-            <a:bodyPr/>
-            <a:lstStyle/>
-            <a:p>
-              <a:endParaRPr lang="en-US" dirty="0">
-                <a:solidFill>
-                  <a:schemeClr val="accent6"/>
-                </a:solidFill>
-              </a:endParaRPr>
-            </a:p>
-          </p:txBody>
-        </p:sp>
-        <p:sp>
-          <p:nvSpPr>
-            <p:cNvPr id="18" name="Freeform 12"/>
-            <p:cNvSpPr>
-              <a:spLocks/>
-            </p:cNvSpPr>
-            <p:nvPr/>
-          </p:nvSpPr>
-          <p:spPr bwMode="hidden">
-            <a:xfrm>
-              <a:off x="1797843" y="1840589"/>
-              <a:ext cx="710079" cy="357304"/>
-            </a:xfrm>
-            <a:custGeom>
-              <a:avLst/>
-              <a:gdLst>
-                <a:gd name="T0" fmla="*/ 248 w 248"/>
-                <a:gd name="T1" fmla="*/ 12 h 156"/>
-                <a:gd name="T2" fmla="*/ 0 w 248"/>
-                <a:gd name="T3" fmla="*/ 156 h 156"/>
-                <a:gd name="T4" fmla="*/ 3 w 248"/>
-                <a:gd name="T5" fmla="*/ 131 h 156"/>
-                <a:gd name="T6" fmla="*/ 229 w 248"/>
-                <a:gd name="T7" fmla="*/ 0 h 156"/>
-                <a:gd name="T8" fmla="*/ 248 w 248"/>
-                <a:gd name="T9" fmla="*/ 12 h 156"/>
-                <a:gd name="T10" fmla="*/ 0 60000 65536"/>
-                <a:gd name="T11" fmla="*/ 0 60000 65536"/>
-                <a:gd name="T12" fmla="*/ 0 60000 65536"/>
-                <a:gd name="T13" fmla="*/ 0 60000 65536"/>
-                <a:gd name="T14" fmla="*/ 0 60000 65536"/>
-                <a:gd name="T15" fmla="*/ 0 w 248"/>
-                <a:gd name="T16" fmla="*/ 0 h 156"/>
-                <a:gd name="T17" fmla="*/ 248 w 248"/>
-                <a:gd name="T18" fmla="*/ 156 h 156"/>
-              </a:gdLst>
-              <a:ahLst/>
-              <a:cxnLst>
-                <a:cxn ang="T10">
-                  <a:pos x="T0" y="T1"/>
-                </a:cxn>
-                <a:cxn ang="T11">
-                  <a:pos x="T2" y="T3"/>
-                </a:cxn>
-                <a:cxn ang="T12">
-                  <a:pos x="T4" y="T5"/>
-                </a:cxn>
-                <a:cxn ang="T13">
-                  <a:pos x="T6" y="T7"/>
-                </a:cxn>
-                <a:cxn ang="T14">
-                  <a:pos x="T8" y="T9"/>
-                </a:cxn>
-              </a:cxnLst>
-              <a:rect l="T15" t="T16" r="T17" b="T18"/>
-              <a:pathLst>
-                <a:path w="248" h="156">
-                  <a:moveTo>
-                    <a:pt x="248" y="12"/>
-                  </a:moveTo>
-                  <a:lnTo>
-                    <a:pt x="0" y="156"/>
-                  </a:lnTo>
-                  <a:lnTo>
-                    <a:pt x="3" y="131"/>
-                  </a:lnTo>
-                  <a:lnTo>
-                    <a:pt x="229" y="0"/>
-                  </a:lnTo>
-                  <a:lnTo>
-                    <a:pt x="248" y="12"/>
-                  </a:lnTo>
-                  <a:close/>
-                </a:path>
-              </a:pathLst>
-            </a:custGeom>
-            <a:grpFill/>
-            <a:ln w="28575" cap="flat" cmpd="sng">
-              <a:noFill/>
-              <a:prstDash val="solid"/>
-              <a:round/>
-              <a:headEnd type="none" w="med" len="med"/>
-              <a:tailEnd type="none" w="med" len="med"/>
-            </a:ln>
-            <a:effectLst>
-              <a:outerShdw blurRad="44450" dist="27940" dir="5400000" algn="ctr">
-                <a:srgbClr val="000000">
-                  <a:alpha val="32000"/>
-                </a:srgbClr>
-              </a:outerShdw>
-            </a:effectLst>
-            <a:sp3d>
-              <a:bevelT w="190500" h="38100"/>
-            </a:sp3d>
-          </p:spPr>
-          <p:txBody>
-            <a:bodyPr/>
-            <a:lstStyle/>
-            <a:p>
-              <a:endParaRPr lang="en-US" dirty="0">
-                <a:solidFill>
-                  <a:schemeClr val="accent6"/>
-                </a:solidFill>
-              </a:endParaRPr>
-            </a:p>
-          </p:txBody>
-        </p:sp>
-      </p:grpSp>
+      <p:graphicFrame>
+        <p:nvGraphicFramePr>
+          <p:cNvPr id="9" name="Table 8">
+            <a:extLst>
+              <a:ext uri="{FF2B5EF4-FFF2-40B4-BE49-F238E27FC236}">
+                <a16:creationId xmlns:a16="http://schemas.microsoft.com/office/drawing/2014/main" id="{6A94888F-6E0E-41F4-99D6-6E5351778CC2}"/>
+              </a:ext>
+            </a:extLst>
+          </p:cNvPr>
+          <p:cNvGraphicFramePr>
+            <a:graphicFrameLocks noGrp="1"/>
+          </p:cNvGraphicFramePr>
+          <p:nvPr>
+            <p:extLst>
+              <p:ext uri="{D42A27DB-BD31-4B8C-83A1-F6EECF244321}">
+                <p14:modId xmlns:p14="http://schemas.microsoft.com/office/powerpoint/2010/main" val="23927899"/>
+              </p:ext>
+            </p:extLst>
+          </p:nvPr>
+        </p:nvGraphicFramePr>
+        <p:xfrm>
+          <a:off x="2880360" y="1447543"/>
+          <a:ext cx="3383280" cy="1645920"/>
+        </p:xfrm>
+        <a:graphic>
+          <a:graphicData uri="http://schemas.openxmlformats.org/drawingml/2006/table">
+            <a:tbl>
+              <a:tblPr>
+                <a:tableStyleId>{00A15C55-8517-42AA-B614-E9B94910E393}</a:tableStyleId>
+              </a:tblPr>
+              <a:tblGrid>
+                <a:gridCol w="3383280">
+                  <a:extLst>
+                    <a:ext uri="{9D8B030D-6E8A-4147-A177-3AD203B41FA5}">
+                      <a16:colId xmlns:a16="http://schemas.microsoft.com/office/drawing/2014/main" val="1695728431"/>
+                    </a:ext>
+                  </a:extLst>
+                </a:gridCol>
+              </a:tblGrid>
+              <a:tr h="548640">
+                <a:tc>
+                  <a:txBody>
+                    <a:bodyPr/>
+                    <a:lstStyle/>
+                    <a:p>
+                      <a:pPr>
+                        <a:lnSpc>
+                          <a:spcPct val="100000"/>
+                        </a:lnSpc>
+                        <a:spcAft>
+                          <a:spcPts val="0"/>
+                        </a:spcAft>
+                      </a:pPr>
+                      <a:r>
+                        <a:rPr lang="en-US" sz="2000" b="0" dirty="0">
+                          <a:solidFill>
+                            <a:schemeClr val="bg1">
+                              <a:lumMod val="65000"/>
+                            </a:schemeClr>
+                          </a:solidFill>
+                        </a:rPr>
+                        <a:t>Cluster Analysis</a:t>
+                      </a:r>
+                    </a:p>
+                  </a:txBody>
+                  <a:tcPr anchor="ctr">
+                    <a:lnB w="12700" cap="flat" cmpd="sng" algn="ctr">
+                      <a:solidFill>
+                        <a:schemeClr val="bg1">
+                          <a:lumMod val="65000"/>
+                        </a:schemeClr>
+                      </a:solidFill>
+                      <a:prstDash val="solid"/>
+                      <a:round/>
+                      <a:headEnd type="none" w="med" len="med"/>
+                      <a:tailEnd type="none" w="med" len="med"/>
+                    </a:lnB>
+                    <a:noFill/>
+                  </a:tcPr>
+                </a:tc>
+                <a:extLst>
+                  <a:ext uri="{0D108BD9-81ED-4DB2-BD59-A6C34878D82A}">
+                    <a16:rowId xmlns:a16="http://schemas.microsoft.com/office/drawing/2014/main" val="2307098774"/>
+                  </a:ext>
+                </a:extLst>
+              </a:tr>
+              <a:tr h="548640">
+                <a:tc>
+                  <a:txBody>
+                    <a:bodyPr/>
+                    <a:lstStyle/>
+                    <a:p>
+                      <a:pPr>
+                        <a:lnSpc>
+                          <a:spcPct val="100000"/>
+                        </a:lnSpc>
+                        <a:spcAft>
+                          <a:spcPts val="0"/>
+                        </a:spcAft>
+                      </a:pPr>
+                      <a:r>
+                        <a:rPr lang="en-US" sz="2000" dirty="0">
+                          <a:solidFill>
+                            <a:schemeClr val="bg1">
+                              <a:lumMod val="65000"/>
+                            </a:schemeClr>
+                          </a:solidFill>
+                        </a:rPr>
+                        <a:t>Algorithms</a:t>
+                      </a:r>
+                    </a:p>
+                  </a:txBody>
+                  <a:tcPr anchor="ctr">
+                    <a:lnT w="12700" cap="flat" cmpd="sng" algn="ctr">
+                      <a:solidFill>
+                        <a:schemeClr val="bg1">
+                          <a:lumMod val="65000"/>
+                        </a:schemeClr>
+                      </a:solidFill>
+                      <a:prstDash val="solid"/>
+                      <a:round/>
+                      <a:headEnd type="none" w="med" len="med"/>
+                      <a:tailEnd type="none" w="med" len="med"/>
+                    </a:lnT>
+                    <a:lnB w="12700" cap="flat" cmpd="sng" algn="ctr">
+                      <a:solidFill>
+                        <a:schemeClr val="bg1">
+                          <a:lumMod val="65000"/>
+                        </a:schemeClr>
+                      </a:solidFill>
+                      <a:prstDash val="solid"/>
+                      <a:round/>
+                      <a:headEnd type="none" w="med" len="med"/>
+                      <a:tailEnd type="none" w="med" len="med"/>
+                    </a:lnB>
+                    <a:noFill/>
+                  </a:tcPr>
+                </a:tc>
+                <a:extLst>
+                  <a:ext uri="{0D108BD9-81ED-4DB2-BD59-A6C34878D82A}">
+                    <a16:rowId xmlns:a16="http://schemas.microsoft.com/office/drawing/2014/main" val="1466711860"/>
+                  </a:ext>
+                </a:extLst>
+              </a:tr>
+              <a:tr h="548640">
+                <a:tc>
+                  <a:txBody>
+                    <a:bodyPr/>
+                    <a:lstStyle/>
+                    <a:p>
+                      <a:pPr>
+                        <a:lnSpc>
+                          <a:spcPct val="100000"/>
+                        </a:lnSpc>
+                        <a:spcAft>
+                          <a:spcPts val="0"/>
+                        </a:spcAft>
+                      </a:pPr>
+                      <a:r>
+                        <a:rPr lang="en-US" sz="2000" b="1" dirty="0">
+                          <a:solidFill>
+                            <a:schemeClr val="tx1"/>
+                          </a:solidFill>
+                        </a:rPr>
+                        <a:t>Chapter Summary</a:t>
+                      </a:r>
+                    </a:p>
+                  </a:txBody>
+                  <a:tcPr anchor="ctr">
+                    <a:lnT w="12700" cap="flat" cmpd="sng" algn="ctr">
+                      <a:solidFill>
+                        <a:schemeClr val="bg1">
+                          <a:lumMod val="65000"/>
+                        </a:schemeClr>
+                      </a:solidFill>
+                      <a:prstDash val="solid"/>
+                      <a:round/>
+                      <a:headEnd type="none" w="med" len="med"/>
+                      <a:tailEnd type="none" w="med" len="med"/>
+                    </a:lnT>
+                    <a:lnB w="12700" cap="flat" cmpd="sng" algn="ctr">
+                      <a:solidFill>
+                        <a:schemeClr val="bg1">
+                          <a:lumMod val="65000"/>
+                        </a:schemeClr>
+                      </a:solidFill>
+                      <a:prstDash val="solid"/>
+                      <a:round/>
+                      <a:headEnd type="none" w="med" len="med"/>
+                      <a:tailEnd type="none" w="med" len="med"/>
+                    </a:lnB>
+                    <a:noFill/>
+                  </a:tcPr>
+                </a:tc>
+                <a:extLst>
+                  <a:ext uri="{0D108BD9-81ED-4DB2-BD59-A6C34878D82A}">
+                    <a16:rowId xmlns:a16="http://schemas.microsoft.com/office/drawing/2014/main" val="376303497"/>
+                  </a:ext>
+                </a:extLst>
+              </a:tr>
+            </a:tbl>
+          </a:graphicData>
+        </a:graphic>
+      </p:graphicFrame>
     </p:spTree>
     <p:extLst>
       <p:ext uri="{BB962C8B-B14F-4D97-AF65-F5344CB8AC3E}">
@@ -10130,41 +9744,6 @@
       </p:grpSpPr>
       <p:sp>
         <p:nvSpPr>
-          <p:cNvPr id="3" name="Text Placeholder 2"/>
-          <p:cNvSpPr>
-            <a:spLocks noGrp="1"/>
-          </p:cNvSpPr>
-          <p:nvPr>
-            <p:ph type="body" sz="quarter" idx="11"/>
-          </p:nvPr>
-        </p:nvSpPr>
-        <p:spPr/>
-        <p:txBody>
-          <a:bodyPr/>
-          <a:lstStyle/>
-          <a:p>
-            <a:r>
-              <a:rPr lang="en-US" b="1" dirty="0"/>
-              <a:t>Cluster Analysis</a:t>
-            </a:r>
-          </a:p>
-          <a:p>
-            <a:r>
-              <a:rPr lang="en-US" dirty="0"/>
-              <a:t>Algorithms</a:t>
-            </a:r>
-          </a:p>
-          <a:p>
-            <a:pPr lvl="1"/>
-            <a:r>
-              <a:rPr lang="en-US" dirty="0"/>
-              <a:t>Chapter Summary</a:t>
-            </a:r>
-          </a:p>
-        </p:txBody>
-      </p:sp>
-      <p:sp>
-        <p:nvSpPr>
           <p:cNvPr id="2" name="Title 1"/>
           <p:cNvSpPr>
             <a:spLocks noGrp="1"/>
@@ -10185,361 +9764,210 @@
           </a:p>
         </p:txBody>
       </p:sp>
-      <p:grpSp>
-        <p:nvGrpSpPr>
-          <p:cNvPr id="13" name="Group 12"/>
-          <p:cNvGrpSpPr/>
-          <p:nvPr/>
-        </p:nvGrpSpPr>
-        <p:grpSpPr>
-          <a:xfrm>
-            <a:off x="2905798" y="1696003"/>
-            <a:ext cx="410322" cy="377482"/>
-            <a:chOff x="1766887" y="1515010"/>
-            <a:chExt cx="741316" cy="700622"/>
-          </a:xfrm>
-          <a:solidFill>
-            <a:schemeClr val="accent4"/>
-          </a:solidFill>
-          <a:scene3d>
-            <a:camera prst="orthographicFront">
-              <a:rot lat="0" lon="0" rev="0"/>
-            </a:camera>
-            <a:lightRig rig="balanced" dir="t">
-              <a:rot lat="0" lon="0" rev="8700000"/>
-            </a:lightRig>
-          </a:scene3d>
-        </p:grpSpPr>
-        <p:sp>
-          <p:nvSpPr>
-            <p:cNvPr id="16" name="AutoShape 10"/>
-            <p:cNvSpPr>
-              <a:spLocks noChangeArrowheads="1"/>
-            </p:cNvSpPr>
-            <p:nvPr/>
-          </p:nvSpPr>
-          <p:spPr bwMode="black">
-            <a:xfrm rot="5400000">
-              <a:off x="1787234" y="1494663"/>
-              <a:ext cx="700622" cy="741316"/>
-            </a:xfrm>
-            <a:custGeom>
-              <a:avLst/>
-              <a:gdLst>
-                <a:gd name="connsiteX0" fmla="*/ 0 w 264955"/>
-                <a:gd name="connsiteY0" fmla="*/ 311498 h 311498"/>
-                <a:gd name="connsiteX1" fmla="*/ 132478 w 264955"/>
-                <a:gd name="connsiteY1" fmla="*/ 0 h 311498"/>
-                <a:gd name="connsiteX2" fmla="*/ 264955 w 264955"/>
-                <a:gd name="connsiteY2" fmla="*/ 311498 h 311498"/>
-                <a:gd name="connsiteX3" fmla="*/ 0 w 264955"/>
-                <a:gd name="connsiteY3" fmla="*/ 311498 h 311498"/>
-                <a:gd name="connsiteX0" fmla="*/ 0 w 264955"/>
-                <a:gd name="connsiteY0" fmla="*/ 311498 h 312908"/>
-                <a:gd name="connsiteX1" fmla="*/ 132478 w 264955"/>
-                <a:gd name="connsiteY1" fmla="*/ 0 h 312908"/>
-                <a:gd name="connsiteX2" fmla="*/ 264955 w 264955"/>
-                <a:gd name="connsiteY2" fmla="*/ 311498 h 312908"/>
-                <a:gd name="connsiteX3" fmla="*/ 124553 w 264955"/>
-                <a:gd name="connsiteY3" fmla="*/ 312908 h 312908"/>
-                <a:gd name="connsiteX4" fmla="*/ 0 w 264955"/>
-                <a:gd name="connsiteY4" fmla="*/ 311498 h 312908"/>
-                <a:gd name="connsiteX0" fmla="*/ 0 w 264955"/>
-                <a:gd name="connsiteY0" fmla="*/ 311498 h 311498"/>
-                <a:gd name="connsiteX1" fmla="*/ 132478 w 264955"/>
-                <a:gd name="connsiteY1" fmla="*/ 0 h 311498"/>
-                <a:gd name="connsiteX2" fmla="*/ 264955 w 264955"/>
-                <a:gd name="connsiteY2" fmla="*/ 311498 h 311498"/>
-                <a:gd name="connsiteX3" fmla="*/ 138844 w 264955"/>
-                <a:gd name="connsiteY3" fmla="*/ 253377 h 311498"/>
-                <a:gd name="connsiteX4" fmla="*/ 0 w 264955"/>
-                <a:gd name="connsiteY4" fmla="*/ 311498 h 311498"/>
-              </a:gdLst>
-              <a:ahLst/>
-              <a:cxnLst>
-                <a:cxn ang="0">
-                  <a:pos x="connsiteX0" y="connsiteY0"/>
-                </a:cxn>
-                <a:cxn ang="0">
-                  <a:pos x="connsiteX1" y="connsiteY1"/>
-                </a:cxn>
-                <a:cxn ang="0">
-                  <a:pos x="connsiteX2" y="connsiteY2"/>
-                </a:cxn>
-                <a:cxn ang="0">
-                  <a:pos x="connsiteX3" y="connsiteY3"/>
-                </a:cxn>
-                <a:cxn ang="0">
-                  <a:pos x="connsiteX4" y="connsiteY4"/>
-                </a:cxn>
-              </a:cxnLst>
-              <a:rect l="l" t="t" r="r" b="b"/>
-              <a:pathLst>
-                <a:path w="264955" h="311498">
-                  <a:moveTo>
-                    <a:pt x="0" y="311498"/>
-                  </a:moveTo>
-                  <a:lnTo>
-                    <a:pt x="132478" y="0"/>
-                  </a:lnTo>
-                  <a:lnTo>
-                    <a:pt x="264955" y="311498"/>
-                  </a:lnTo>
-                  <a:lnTo>
-                    <a:pt x="138844" y="253377"/>
-                  </a:lnTo>
-                  <a:lnTo>
-                    <a:pt x="0" y="311498"/>
-                  </a:lnTo>
-                  <a:close/>
-                </a:path>
-              </a:pathLst>
-            </a:custGeom>
-            <a:grpFill/>
-            <a:ln w="19050">
-              <a:noFill/>
-              <a:miter lim="800000"/>
-              <a:headEnd/>
-              <a:tailEnd/>
-            </a:ln>
-            <a:effectLst>
-              <a:outerShdw blurRad="44450" dist="27940" dir="5400000" algn="ctr">
-                <a:srgbClr val="000000">
-                  <a:alpha val="32000"/>
-                </a:srgbClr>
-              </a:outerShdw>
-            </a:effectLst>
-            <a:sp3d>
-              <a:bevelT w="190500" h="38100"/>
-            </a:sp3d>
-          </p:spPr>
-          <p:txBody>
-            <a:bodyPr rot="10800000" vert="eaVert" wrap="none" anchor="ctr"/>
-            <a:lstStyle/>
-            <a:p>
-              <a:endParaRPr lang="en-GB" dirty="0">
-                <a:solidFill>
-                  <a:schemeClr val="accent6"/>
-                </a:solidFill>
-              </a:endParaRPr>
-            </a:p>
-          </p:txBody>
-        </p:sp>
-        <p:sp>
-          <p:nvSpPr>
-            <p:cNvPr id="17" name="Freeform 11"/>
-            <p:cNvSpPr>
-              <a:spLocks/>
-            </p:cNvSpPr>
-            <p:nvPr/>
-          </p:nvSpPr>
-          <p:spPr bwMode="hidden">
-            <a:xfrm>
-              <a:off x="1802606" y="1545430"/>
-              <a:ext cx="701117" cy="344477"/>
-            </a:xfrm>
-            <a:custGeom>
-              <a:avLst/>
-              <a:gdLst>
-                <a:gd name="T0" fmla="*/ 0 w 245"/>
-                <a:gd name="T1" fmla="*/ 0 h 158"/>
-                <a:gd name="T2" fmla="*/ 245 w 245"/>
-                <a:gd name="T3" fmla="*/ 146 h 158"/>
-                <a:gd name="T4" fmla="*/ 226 w 245"/>
-                <a:gd name="T5" fmla="*/ 158 h 158"/>
-                <a:gd name="T6" fmla="*/ 0 w 245"/>
-                <a:gd name="T7" fmla="*/ 23 h 158"/>
-                <a:gd name="T8" fmla="*/ 0 w 245"/>
-                <a:gd name="T9" fmla="*/ 0 h 158"/>
-                <a:gd name="T10" fmla="*/ 0 60000 65536"/>
-                <a:gd name="T11" fmla="*/ 0 60000 65536"/>
-                <a:gd name="T12" fmla="*/ 0 60000 65536"/>
-                <a:gd name="T13" fmla="*/ 0 60000 65536"/>
-                <a:gd name="T14" fmla="*/ 0 60000 65536"/>
-                <a:gd name="T15" fmla="*/ 0 w 245"/>
-                <a:gd name="T16" fmla="*/ 0 h 158"/>
-                <a:gd name="T17" fmla="*/ 245 w 245"/>
-                <a:gd name="T18" fmla="*/ 158 h 158"/>
-              </a:gdLst>
-              <a:ahLst/>
-              <a:cxnLst>
-                <a:cxn ang="T10">
-                  <a:pos x="T0" y="T1"/>
-                </a:cxn>
-                <a:cxn ang="T11">
-                  <a:pos x="T2" y="T3"/>
-                </a:cxn>
-                <a:cxn ang="T12">
-                  <a:pos x="T4" y="T5"/>
-                </a:cxn>
-                <a:cxn ang="T13">
-                  <a:pos x="T6" y="T7"/>
-                </a:cxn>
-                <a:cxn ang="T14">
-                  <a:pos x="T8" y="T9"/>
-                </a:cxn>
-              </a:cxnLst>
-              <a:rect l="T15" t="T16" r="T17" b="T18"/>
-              <a:pathLst>
-                <a:path w="245" h="158">
-                  <a:moveTo>
-                    <a:pt x="0" y="0"/>
-                  </a:moveTo>
-                  <a:lnTo>
-                    <a:pt x="245" y="146"/>
-                  </a:lnTo>
-                  <a:lnTo>
-                    <a:pt x="226" y="158"/>
-                  </a:lnTo>
-                  <a:lnTo>
-                    <a:pt x="0" y="23"/>
-                  </a:lnTo>
-                  <a:lnTo>
-                    <a:pt x="0" y="0"/>
-                  </a:lnTo>
-                  <a:close/>
-                </a:path>
-              </a:pathLst>
-            </a:custGeom>
-            <a:grpFill/>
-            <a:ln w="28575" cap="flat" cmpd="sng">
-              <a:noFill/>
-              <a:prstDash val="solid"/>
-              <a:round/>
-              <a:headEnd type="none" w="med" len="med"/>
-              <a:tailEnd type="none" w="med" len="med"/>
-            </a:ln>
-            <a:effectLst>
-              <a:outerShdw blurRad="44450" dist="27940" dir="5400000" algn="ctr">
-                <a:srgbClr val="000000">
-                  <a:alpha val="32000"/>
-                </a:srgbClr>
-              </a:outerShdw>
-            </a:effectLst>
-            <a:sp3d>
-              <a:bevelT w="190500" h="38100"/>
-            </a:sp3d>
-          </p:spPr>
-          <p:txBody>
-            <a:bodyPr/>
-            <a:lstStyle/>
-            <a:p>
-              <a:endParaRPr lang="en-US" dirty="0">
-                <a:solidFill>
-                  <a:schemeClr val="accent6"/>
-                </a:solidFill>
-              </a:endParaRPr>
-            </a:p>
-          </p:txBody>
-        </p:sp>
-        <p:sp>
-          <p:nvSpPr>
-            <p:cNvPr id="18" name="Freeform 12"/>
-            <p:cNvSpPr>
-              <a:spLocks/>
-            </p:cNvSpPr>
-            <p:nvPr/>
-          </p:nvSpPr>
-          <p:spPr bwMode="hidden">
-            <a:xfrm>
-              <a:off x="1797843" y="1840589"/>
-              <a:ext cx="710079" cy="357304"/>
-            </a:xfrm>
-            <a:custGeom>
-              <a:avLst/>
-              <a:gdLst>
-                <a:gd name="T0" fmla="*/ 248 w 248"/>
-                <a:gd name="T1" fmla="*/ 12 h 156"/>
-                <a:gd name="T2" fmla="*/ 0 w 248"/>
-                <a:gd name="T3" fmla="*/ 156 h 156"/>
-                <a:gd name="T4" fmla="*/ 3 w 248"/>
-                <a:gd name="T5" fmla="*/ 131 h 156"/>
-                <a:gd name="T6" fmla="*/ 229 w 248"/>
-                <a:gd name="T7" fmla="*/ 0 h 156"/>
-                <a:gd name="T8" fmla="*/ 248 w 248"/>
-                <a:gd name="T9" fmla="*/ 12 h 156"/>
-                <a:gd name="T10" fmla="*/ 0 60000 65536"/>
-                <a:gd name="T11" fmla="*/ 0 60000 65536"/>
-                <a:gd name="T12" fmla="*/ 0 60000 65536"/>
-                <a:gd name="T13" fmla="*/ 0 60000 65536"/>
-                <a:gd name="T14" fmla="*/ 0 60000 65536"/>
-                <a:gd name="T15" fmla="*/ 0 w 248"/>
-                <a:gd name="T16" fmla="*/ 0 h 156"/>
-                <a:gd name="T17" fmla="*/ 248 w 248"/>
-                <a:gd name="T18" fmla="*/ 156 h 156"/>
-              </a:gdLst>
-              <a:ahLst/>
-              <a:cxnLst>
-                <a:cxn ang="T10">
-                  <a:pos x="T0" y="T1"/>
-                </a:cxn>
-                <a:cxn ang="T11">
-                  <a:pos x="T2" y="T3"/>
-                </a:cxn>
-                <a:cxn ang="T12">
-                  <a:pos x="T4" y="T5"/>
-                </a:cxn>
-                <a:cxn ang="T13">
-                  <a:pos x="T6" y="T7"/>
-                </a:cxn>
-                <a:cxn ang="T14">
-                  <a:pos x="T8" y="T9"/>
-                </a:cxn>
-              </a:cxnLst>
-              <a:rect l="T15" t="T16" r="T17" b="T18"/>
-              <a:pathLst>
-                <a:path w="248" h="156">
-                  <a:moveTo>
-                    <a:pt x="248" y="12"/>
-                  </a:moveTo>
-                  <a:lnTo>
-                    <a:pt x="0" y="156"/>
-                  </a:lnTo>
-                  <a:lnTo>
-                    <a:pt x="3" y="131"/>
-                  </a:lnTo>
-                  <a:lnTo>
-                    <a:pt x="229" y="0"/>
-                  </a:lnTo>
-                  <a:lnTo>
-                    <a:pt x="248" y="12"/>
-                  </a:lnTo>
-                  <a:close/>
-                </a:path>
-              </a:pathLst>
-            </a:custGeom>
-            <a:grpFill/>
-            <a:ln w="28575" cap="flat" cmpd="sng">
-              <a:noFill/>
-              <a:prstDash val="solid"/>
-              <a:round/>
-              <a:headEnd type="none" w="med" len="med"/>
-              <a:tailEnd type="none" w="med" len="med"/>
-            </a:ln>
-            <a:effectLst>
-              <a:outerShdw blurRad="44450" dist="27940" dir="5400000" algn="ctr">
-                <a:srgbClr val="000000">
-                  <a:alpha val="32000"/>
-                </a:srgbClr>
-              </a:outerShdw>
-            </a:effectLst>
-            <a:sp3d>
-              <a:bevelT w="190500" h="38100"/>
-            </a:sp3d>
-          </p:spPr>
-          <p:txBody>
-            <a:bodyPr/>
-            <a:lstStyle/>
-            <a:p>
-              <a:endParaRPr lang="en-US" dirty="0">
-                <a:solidFill>
-                  <a:schemeClr val="accent6"/>
-                </a:solidFill>
-              </a:endParaRPr>
-            </a:p>
-          </p:txBody>
-        </p:sp>
-      </p:grpSp>
+      <p:graphicFrame>
+        <p:nvGraphicFramePr>
+          <p:cNvPr id="8" name="Table 7">
+            <a:extLst>
+              <a:ext uri="{FF2B5EF4-FFF2-40B4-BE49-F238E27FC236}">
+                <a16:creationId xmlns:a16="http://schemas.microsoft.com/office/drawing/2014/main" id="{B40E063C-FF3C-4D51-9FC0-895091DCE1BD}"/>
+              </a:ext>
+            </a:extLst>
+          </p:cNvPr>
+          <p:cNvGraphicFramePr>
+            <a:graphicFrameLocks noGrp="1"/>
+          </p:cNvGraphicFramePr>
+          <p:nvPr>
+            <p:extLst>
+              <p:ext uri="{D42A27DB-BD31-4B8C-83A1-F6EECF244321}">
+                <p14:modId xmlns:p14="http://schemas.microsoft.com/office/powerpoint/2010/main" val="3404552469"/>
+              </p:ext>
+            </p:extLst>
+          </p:nvPr>
+        </p:nvGraphicFramePr>
+        <p:xfrm>
+          <a:off x="2880360" y="1447543"/>
+          <a:ext cx="3383280" cy="1645920"/>
+        </p:xfrm>
+        <a:graphic>
+          <a:graphicData uri="http://schemas.openxmlformats.org/drawingml/2006/table">
+            <a:tbl>
+              <a:tblPr>
+                <a:tableStyleId>{00A15C55-8517-42AA-B614-E9B94910E393}</a:tableStyleId>
+              </a:tblPr>
+              <a:tblGrid>
+                <a:gridCol w="3383280">
+                  <a:extLst>
+                    <a:ext uri="{9D8B030D-6E8A-4147-A177-3AD203B41FA5}">
+                      <a16:colId xmlns:a16="http://schemas.microsoft.com/office/drawing/2014/main" val="1695728431"/>
+                    </a:ext>
+                  </a:extLst>
+                </a:gridCol>
+              </a:tblGrid>
+              <a:tr h="548640">
+                <a:tc>
+                  <a:txBody>
+                    <a:bodyPr/>
+                    <a:lstStyle/>
+                    <a:p>
+                      <a:pPr>
+                        <a:lnSpc>
+                          <a:spcPct val="100000"/>
+                        </a:lnSpc>
+                        <a:spcAft>
+                          <a:spcPts val="0"/>
+                        </a:spcAft>
+                      </a:pPr>
+                      <a:r>
+                        <a:rPr lang="en-US" sz="2000" b="1" dirty="0">
+                          <a:solidFill>
+                            <a:schemeClr val="tx1"/>
+                          </a:solidFill>
+                        </a:rPr>
+                        <a:t>Cluster Analysis</a:t>
+                      </a:r>
+                    </a:p>
+                  </a:txBody>
+                  <a:tcPr anchor="ctr">
+                    <a:lnB w="12700" cap="flat" cmpd="sng" algn="ctr">
+                      <a:solidFill>
+                        <a:schemeClr val="bg1">
+                          <a:lumMod val="65000"/>
+                        </a:schemeClr>
+                      </a:solidFill>
+                      <a:prstDash val="solid"/>
+                      <a:round/>
+                      <a:headEnd type="none" w="med" len="med"/>
+                      <a:tailEnd type="none" w="med" len="med"/>
+                    </a:lnB>
+                    <a:noFill/>
+                  </a:tcPr>
+                </a:tc>
+                <a:extLst>
+                  <a:ext uri="{0D108BD9-81ED-4DB2-BD59-A6C34878D82A}">
+                    <a16:rowId xmlns:a16="http://schemas.microsoft.com/office/drawing/2014/main" val="2307098774"/>
+                  </a:ext>
+                </a:extLst>
+              </a:tr>
+              <a:tr h="548640">
+                <a:tc>
+                  <a:txBody>
+                    <a:bodyPr/>
+                    <a:lstStyle/>
+                    <a:p>
+                      <a:pPr>
+                        <a:lnSpc>
+                          <a:spcPct val="100000"/>
+                        </a:lnSpc>
+                        <a:spcAft>
+                          <a:spcPts val="0"/>
+                        </a:spcAft>
+                      </a:pPr>
+                      <a:r>
+                        <a:rPr lang="en-US" sz="2000" dirty="0">
+                          <a:solidFill>
+                            <a:schemeClr val="bg1">
+                              <a:lumMod val="65000"/>
+                            </a:schemeClr>
+                          </a:solidFill>
+                        </a:rPr>
+                        <a:t>Algorithms</a:t>
+                      </a:r>
+                    </a:p>
+                  </a:txBody>
+                  <a:tcPr anchor="ctr">
+                    <a:lnT w="12700" cap="flat" cmpd="sng" algn="ctr">
+                      <a:solidFill>
+                        <a:schemeClr val="bg1">
+                          <a:lumMod val="65000"/>
+                        </a:schemeClr>
+                      </a:solidFill>
+                      <a:prstDash val="solid"/>
+                      <a:round/>
+                      <a:headEnd type="none" w="med" len="med"/>
+                      <a:tailEnd type="none" w="med" len="med"/>
+                    </a:lnT>
+                    <a:lnB w="12700" cap="flat" cmpd="sng" algn="ctr">
+                      <a:solidFill>
+                        <a:schemeClr val="bg1">
+                          <a:lumMod val="65000"/>
+                        </a:schemeClr>
+                      </a:solidFill>
+                      <a:prstDash val="solid"/>
+                      <a:round/>
+                      <a:headEnd type="none" w="med" len="med"/>
+                      <a:tailEnd type="none" w="med" len="med"/>
+                    </a:lnB>
+                    <a:noFill/>
+                  </a:tcPr>
+                </a:tc>
+                <a:extLst>
+                  <a:ext uri="{0D108BD9-81ED-4DB2-BD59-A6C34878D82A}">
+                    <a16:rowId xmlns:a16="http://schemas.microsoft.com/office/drawing/2014/main" val="1466711860"/>
+                  </a:ext>
+                </a:extLst>
+              </a:tr>
+              <a:tr h="548640">
+                <a:tc>
+                  <a:txBody>
+                    <a:bodyPr/>
+                    <a:lstStyle/>
+                    <a:p>
+                      <a:pPr>
+                        <a:lnSpc>
+                          <a:spcPct val="100000"/>
+                        </a:lnSpc>
+                        <a:spcAft>
+                          <a:spcPts val="0"/>
+                        </a:spcAft>
+                      </a:pPr>
+                      <a:r>
+                        <a:rPr lang="en-US" sz="2000" dirty="0">
+                          <a:solidFill>
+                            <a:schemeClr val="bg1">
+                              <a:lumMod val="65000"/>
+                            </a:schemeClr>
+                          </a:solidFill>
+                        </a:rPr>
+                        <a:t>Chapter Summary</a:t>
+                      </a:r>
+                    </a:p>
+                  </a:txBody>
+                  <a:tcPr anchor="ctr">
+                    <a:lnT w="12700" cap="flat" cmpd="sng" algn="ctr">
+                      <a:solidFill>
+                        <a:schemeClr val="bg1">
+                          <a:lumMod val="65000"/>
+                        </a:schemeClr>
+                      </a:solidFill>
+                      <a:prstDash val="solid"/>
+                      <a:round/>
+                      <a:headEnd type="none" w="med" len="med"/>
+                      <a:tailEnd type="none" w="med" len="med"/>
+                    </a:lnT>
+                    <a:lnB w="12700" cap="flat" cmpd="sng" algn="ctr">
+                      <a:solidFill>
+                        <a:schemeClr val="bg1">
+                          <a:lumMod val="65000"/>
+                        </a:schemeClr>
+                      </a:solidFill>
+                      <a:prstDash val="solid"/>
+                      <a:round/>
+                      <a:headEnd type="none" w="med" len="med"/>
+                      <a:tailEnd type="none" w="med" len="med"/>
+                    </a:lnB>
+                    <a:noFill/>
+                  </a:tcPr>
+                </a:tc>
+                <a:extLst>
+                  <a:ext uri="{0D108BD9-81ED-4DB2-BD59-A6C34878D82A}">
+                    <a16:rowId xmlns:a16="http://schemas.microsoft.com/office/drawing/2014/main" val="376303497"/>
+                  </a:ext>
+                </a:extLst>
+              </a:tr>
+            </a:tbl>
+          </a:graphicData>
+        </a:graphic>
+      </p:graphicFrame>
     </p:spTree>
     <p:extLst>
       <p:ext uri="{BB962C8B-B14F-4D97-AF65-F5344CB8AC3E}">
@@ -11449,41 +10877,6 @@
       </p:grpSpPr>
       <p:sp>
         <p:nvSpPr>
-          <p:cNvPr id="3" name="Text Placeholder 2"/>
-          <p:cNvSpPr>
-            <a:spLocks noGrp="1"/>
-          </p:cNvSpPr>
-          <p:nvPr>
-            <p:ph type="body" sz="quarter" idx="11"/>
-          </p:nvPr>
-        </p:nvSpPr>
-        <p:spPr/>
-        <p:txBody>
-          <a:bodyPr/>
-          <a:lstStyle/>
-          <a:p>
-            <a:r>
-              <a:rPr lang="en-US" dirty="0"/>
-              <a:t>Cluster Analysis</a:t>
-            </a:r>
-          </a:p>
-          <a:p>
-            <a:r>
-              <a:rPr lang="en-US" b="1" dirty="0"/>
-              <a:t>Algorithms</a:t>
-            </a:r>
-          </a:p>
-          <a:p>
-            <a:pPr lvl="1"/>
-            <a:r>
-              <a:rPr lang="en-US" dirty="0"/>
-              <a:t>Chapter Summary</a:t>
-            </a:r>
-          </a:p>
-        </p:txBody>
-      </p:sp>
-      <p:sp>
-        <p:nvSpPr>
           <p:cNvPr id="2" name="Title 1"/>
           <p:cNvSpPr>
             <a:spLocks noGrp="1"/>
@@ -11504,361 +10897,210 @@
           </a:p>
         </p:txBody>
       </p:sp>
-      <p:grpSp>
-        <p:nvGrpSpPr>
-          <p:cNvPr id="13" name="Group 12"/>
-          <p:cNvGrpSpPr/>
-          <p:nvPr/>
-        </p:nvGrpSpPr>
-        <p:grpSpPr>
-          <a:xfrm>
-            <a:off x="2932771" y="2304817"/>
-            <a:ext cx="410322" cy="377482"/>
-            <a:chOff x="1766887" y="1515010"/>
-            <a:chExt cx="741316" cy="700622"/>
-          </a:xfrm>
-          <a:solidFill>
-            <a:schemeClr val="accent4"/>
-          </a:solidFill>
-          <a:scene3d>
-            <a:camera prst="orthographicFront">
-              <a:rot lat="0" lon="0" rev="0"/>
-            </a:camera>
-            <a:lightRig rig="balanced" dir="t">
-              <a:rot lat="0" lon="0" rev="8700000"/>
-            </a:lightRig>
-          </a:scene3d>
-        </p:grpSpPr>
-        <p:sp>
-          <p:nvSpPr>
-            <p:cNvPr id="16" name="AutoShape 10"/>
-            <p:cNvSpPr>
-              <a:spLocks noChangeArrowheads="1"/>
-            </p:cNvSpPr>
-            <p:nvPr/>
-          </p:nvSpPr>
-          <p:spPr bwMode="black">
-            <a:xfrm rot="5400000">
-              <a:off x="1787234" y="1494663"/>
-              <a:ext cx="700622" cy="741316"/>
-            </a:xfrm>
-            <a:custGeom>
-              <a:avLst/>
-              <a:gdLst>
-                <a:gd name="connsiteX0" fmla="*/ 0 w 264955"/>
-                <a:gd name="connsiteY0" fmla="*/ 311498 h 311498"/>
-                <a:gd name="connsiteX1" fmla="*/ 132478 w 264955"/>
-                <a:gd name="connsiteY1" fmla="*/ 0 h 311498"/>
-                <a:gd name="connsiteX2" fmla="*/ 264955 w 264955"/>
-                <a:gd name="connsiteY2" fmla="*/ 311498 h 311498"/>
-                <a:gd name="connsiteX3" fmla="*/ 0 w 264955"/>
-                <a:gd name="connsiteY3" fmla="*/ 311498 h 311498"/>
-                <a:gd name="connsiteX0" fmla="*/ 0 w 264955"/>
-                <a:gd name="connsiteY0" fmla="*/ 311498 h 312908"/>
-                <a:gd name="connsiteX1" fmla="*/ 132478 w 264955"/>
-                <a:gd name="connsiteY1" fmla="*/ 0 h 312908"/>
-                <a:gd name="connsiteX2" fmla="*/ 264955 w 264955"/>
-                <a:gd name="connsiteY2" fmla="*/ 311498 h 312908"/>
-                <a:gd name="connsiteX3" fmla="*/ 124553 w 264955"/>
-                <a:gd name="connsiteY3" fmla="*/ 312908 h 312908"/>
-                <a:gd name="connsiteX4" fmla="*/ 0 w 264955"/>
-                <a:gd name="connsiteY4" fmla="*/ 311498 h 312908"/>
-                <a:gd name="connsiteX0" fmla="*/ 0 w 264955"/>
-                <a:gd name="connsiteY0" fmla="*/ 311498 h 311498"/>
-                <a:gd name="connsiteX1" fmla="*/ 132478 w 264955"/>
-                <a:gd name="connsiteY1" fmla="*/ 0 h 311498"/>
-                <a:gd name="connsiteX2" fmla="*/ 264955 w 264955"/>
-                <a:gd name="connsiteY2" fmla="*/ 311498 h 311498"/>
-                <a:gd name="connsiteX3" fmla="*/ 138844 w 264955"/>
-                <a:gd name="connsiteY3" fmla="*/ 253377 h 311498"/>
-                <a:gd name="connsiteX4" fmla="*/ 0 w 264955"/>
-                <a:gd name="connsiteY4" fmla="*/ 311498 h 311498"/>
-              </a:gdLst>
-              <a:ahLst/>
-              <a:cxnLst>
-                <a:cxn ang="0">
-                  <a:pos x="connsiteX0" y="connsiteY0"/>
-                </a:cxn>
-                <a:cxn ang="0">
-                  <a:pos x="connsiteX1" y="connsiteY1"/>
-                </a:cxn>
-                <a:cxn ang="0">
-                  <a:pos x="connsiteX2" y="connsiteY2"/>
-                </a:cxn>
-                <a:cxn ang="0">
-                  <a:pos x="connsiteX3" y="connsiteY3"/>
-                </a:cxn>
-                <a:cxn ang="0">
-                  <a:pos x="connsiteX4" y="connsiteY4"/>
-                </a:cxn>
-              </a:cxnLst>
-              <a:rect l="l" t="t" r="r" b="b"/>
-              <a:pathLst>
-                <a:path w="264955" h="311498">
-                  <a:moveTo>
-                    <a:pt x="0" y="311498"/>
-                  </a:moveTo>
-                  <a:lnTo>
-                    <a:pt x="132478" y="0"/>
-                  </a:lnTo>
-                  <a:lnTo>
-                    <a:pt x="264955" y="311498"/>
-                  </a:lnTo>
-                  <a:lnTo>
-                    <a:pt x="138844" y="253377"/>
-                  </a:lnTo>
-                  <a:lnTo>
-                    <a:pt x="0" y="311498"/>
-                  </a:lnTo>
-                  <a:close/>
-                </a:path>
-              </a:pathLst>
-            </a:custGeom>
-            <a:grpFill/>
-            <a:ln w="19050">
-              <a:noFill/>
-              <a:miter lim="800000"/>
-              <a:headEnd/>
-              <a:tailEnd/>
-            </a:ln>
-            <a:effectLst>
-              <a:outerShdw blurRad="44450" dist="27940" dir="5400000" algn="ctr">
-                <a:srgbClr val="000000">
-                  <a:alpha val="32000"/>
-                </a:srgbClr>
-              </a:outerShdw>
-            </a:effectLst>
-            <a:sp3d>
-              <a:bevelT w="190500" h="38100"/>
-            </a:sp3d>
-          </p:spPr>
-          <p:txBody>
-            <a:bodyPr rot="10800000" vert="eaVert" wrap="none" anchor="ctr"/>
-            <a:lstStyle/>
-            <a:p>
-              <a:endParaRPr lang="en-GB" dirty="0">
-                <a:solidFill>
-                  <a:schemeClr val="accent6"/>
-                </a:solidFill>
-              </a:endParaRPr>
-            </a:p>
-          </p:txBody>
-        </p:sp>
-        <p:sp>
-          <p:nvSpPr>
-            <p:cNvPr id="17" name="Freeform 11"/>
-            <p:cNvSpPr>
-              <a:spLocks/>
-            </p:cNvSpPr>
-            <p:nvPr/>
-          </p:nvSpPr>
-          <p:spPr bwMode="hidden">
-            <a:xfrm>
-              <a:off x="1802606" y="1545430"/>
-              <a:ext cx="701117" cy="344477"/>
-            </a:xfrm>
-            <a:custGeom>
-              <a:avLst/>
-              <a:gdLst>
-                <a:gd name="T0" fmla="*/ 0 w 245"/>
-                <a:gd name="T1" fmla="*/ 0 h 158"/>
-                <a:gd name="T2" fmla="*/ 245 w 245"/>
-                <a:gd name="T3" fmla="*/ 146 h 158"/>
-                <a:gd name="T4" fmla="*/ 226 w 245"/>
-                <a:gd name="T5" fmla="*/ 158 h 158"/>
-                <a:gd name="T6" fmla="*/ 0 w 245"/>
-                <a:gd name="T7" fmla="*/ 23 h 158"/>
-                <a:gd name="T8" fmla="*/ 0 w 245"/>
-                <a:gd name="T9" fmla="*/ 0 h 158"/>
-                <a:gd name="T10" fmla="*/ 0 60000 65536"/>
-                <a:gd name="T11" fmla="*/ 0 60000 65536"/>
-                <a:gd name="T12" fmla="*/ 0 60000 65536"/>
-                <a:gd name="T13" fmla="*/ 0 60000 65536"/>
-                <a:gd name="T14" fmla="*/ 0 60000 65536"/>
-                <a:gd name="T15" fmla="*/ 0 w 245"/>
-                <a:gd name="T16" fmla="*/ 0 h 158"/>
-                <a:gd name="T17" fmla="*/ 245 w 245"/>
-                <a:gd name="T18" fmla="*/ 158 h 158"/>
-              </a:gdLst>
-              <a:ahLst/>
-              <a:cxnLst>
-                <a:cxn ang="T10">
-                  <a:pos x="T0" y="T1"/>
-                </a:cxn>
-                <a:cxn ang="T11">
-                  <a:pos x="T2" y="T3"/>
-                </a:cxn>
-                <a:cxn ang="T12">
-                  <a:pos x="T4" y="T5"/>
-                </a:cxn>
-                <a:cxn ang="T13">
-                  <a:pos x="T6" y="T7"/>
-                </a:cxn>
-                <a:cxn ang="T14">
-                  <a:pos x="T8" y="T9"/>
-                </a:cxn>
-              </a:cxnLst>
-              <a:rect l="T15" t="T16" r="T17" b="T18"/>
-              <a:pathLst>
-                <a:path w="245" h="158">
-                  <a:moveTo>
-                    <a:pt x="0" y="0"/>
-                  </a:moveTo>
-                  <a:lnTo>
-                    <a:pt x="245" y="146"/>
-                  </a:lnTo>
-                  <a:lnTo>
-                    <a:pt x="226" y="158"/>
-                  </a:lnTo>
-                  <a:lnTo>
-                    <a:pt x="0" y="23"/>
-                  </a:lnTo>
-                  <a:lnTo>
-                    <a:pt x="0" y="0"/>
-                  </a:lnTo>
-                  <a:close/>
-                </a:path>
-              </a:pathLst>
-            </a:custGeom>
-            <a:grpFill/>
-            <a:ln w="28575" cap="flat" cmpd="sng">
-              <a:noFill/>
-              <a:prstDash val="solid"/>
-              <a:round/>
-              <a:headEnd type="none" w="med" len="med"/>
-              <a:tailEnd type="none" w="med" len="med"/>
-            </a:ln>
-            <a:effectLst>
-              <a:outerShdw blurRad="44450" dist="27940" dir="5400000" algn="ctr">
-                <a:srgbClr val="000000">
-                  <a:alpha val="32000"/>
-                </a:srgbClr>
-              </a:outerShdw>
-            </a:effectLst>
-            <a:sp3d>
-              <a:bevelT w="190500" h="38100"/>
-            </a:sp3d>
-          </p:spPr>
-          <p:txBody>
-            <a:bodyPr/>
-            <a:lstStyle/>
-            <a:p>
-              <a:endParaRPr lang="en-US" dirty="0">
-                <a:solidFill>
-                  <a:schemeClr val="accent6"/>
-                </a:solidFill>
-              </a:endParaRPr>
-            </a:p>
-          </p:txBody>
-        </p:sp>
-        <p:sp>
-          <p:nvSpPr>
-            <p:cNvPr id="18" name="Freeform 12"/>
-            <p:cNvSpPr>
-              <a:spLocks/>
-            </p:cNvSpPr>
-            <p:nvPr/>
-          </p:nvSpPr>
-          <p:spPr bwMode="hidden">
-            <a:xfrm>
-              <a:off x="1797843" y="1840589"/>
-              <a:ext cx="710079" cy="357304"/>
-            </a:xfrm>
-            <a:custGeom>
-              <a:avLst/>
-              <a:gdLst>
-                <a:gd name="T0" fmla="*/ 248 w 248"/>
-                <a:gd name="T1" fmla="*/ 12 h 156"/>
-                <a:gd name="T2" fmla="*/ 0 w 248"/>
-                <a:gd name="T3" fmla="*/ 156 h 156"/>
-                <a:gd name="T4" fmla="*/ 3 w 248"/>
-                <a:gd name="T5" fmla="*/ 131 h 156"/>
-                <a:gd name="T6" fmla="*/ 229 w 248"/>
-                <a:gd name="T7" fmla="*/ 0 h 156"/>
-                <a:gd name="T8" fmla="*/ 248 w 248"/>
-                <a:gd name="T9" fmla="*/ 12 h 156"/>
-                <a:gd name="T10" fmla="*/ 0 60000 65536"/>
-                <a:gd name="T11" fmla="*/ 0 60000 65536"/>
-                <a:gd name="T12" fmla="*/ 0 60000 65536"/>
-                <a:gd name="T13" fmla="*/ 0 60000 65536"/>
-                <a:gd name="T14" fmla="*/ 0 60000 65536"/>
-                <a:gd name="T15" fmla="*/ 0 w 248"/>
-                <a:gd name="T16" fmla="*/ 0 h 156"/>
-                <a:gd name="T17" fmla="*/ 248 w 248"/>
-                <a:gd name="T18" fmla="*/ 156 h 156"/>
-              </a:gdLst>
-              <a:ahLst/>
-              <a:cxnLst>
-                <a:cxn ang="T10">
-                  <a:pos x="T0" y="T1"/>
-                </a:cxn>
-                <a:cxn ang="T11">
-                  <a:pos x="T2" y="T3"/>
-                </a:cxn>
-                <a:cxn ang="T12">
-                  <a:pos x="T4" y="T5"/>
-                </a:cxn>
-                <a:cxn ang="T13">
-                  <a:pos x="T6" y="T7"/>
-                </a:cxn>
-                <a:cxn ang="T14">
-                  <a:pos x="T8" y="T9"/>
-                </a:cxn>
-              </a:cxnLst>
-              <a:rect l="T15" t="T16" r="T17" b="T18"/>
-              <a:pathLst>
-                <a:path w="248" h="156">
-                  <a:moveTo>
-                    <a:pt x="248" y="12"/>
-                  </a:moveTo>
-                  <a:lnTo>
-                    <a:pt x="0" y="156"/>
-                  </a:lnTo>
-                  <a:lnTo>
-                    <a:pt x="3" y="131"/>
-                  </a:lnTo>
-                  <a:lnTo>
-                    <a:pt x="229" y="0"/>
-                  </a:lnTo>
-                  <a:lnTo>
-                    <a:pt x="248" y="12"/>
-                  </a:lnTo>
-                  <a:close/>
-                </a:path>
-              </a:pathLst>
-            </a:custGeom>
-            <a:grpFill/>
-            <a:ln w="28575" cap="flat" cmpd="sng">
-              <a:noFill/>
-              <a:prstDash val="solid"/>
-              <a:round/>
-              <a:headEnd type="none" w="med" len="med"/>
-              <a:tailEnd type="none" w="med" len="med"/>
-            </a:ln>
-            <a:effectLst>
-              <a:outerShdw blurRad="44450" dist="27940" dir="5400000" algn="ctr">
-                <a:srgbClr val="000000">
-                  <a:alpha val="32000"/>
-                </a:srgbClr>
-              </a:outerShdw>
-            </a:effectLst>
-            <a:sp3d>
-              <a:bevelT w="190500" h="38100"/>
-            </a:sp3d>
-          </p:spPr>
-          <p:txBody>
-            <a:bodyPr/>
-            <a:lstStyle/>
-            <a:p>
-              <a:endParaRPr lang="en-US" dirty="0">
-                <a:solidFill>
-                  <a:schemeClr val="accent6"/>
-                </a:solidFill>
-              </a:endParaRPr>
-            </a:p>
-          </p:txBody>
-        </p:sp>
-      </p:grpSp>
+      <p:graphicFrame>
+        <p:nvGraphicFramePr>
+          <p:cNvPr id="9" name="Table 8">
+            <a:extLst>
+              <a:ext uri="{FF2B5EF4-FFF2-40B4-BE49-F238E27FC236}">
+                <a16:creationId xmlns:a16="http://schemas.microsoft.com/office/drawing/2014/main" id="{EE227574-08CB-450A-BD5A-E7FC64F20FE1}"/>
+              </a:ext>
+            </a:extLst>
+          </p:cNvPr>
+          <p:cNvGraphicFramePr>
+            <a:graphicFrameLocks noGrp="1"/>
+          </p:cNvGraphicFramePr>
+          <p:nvPr>
+            <p:extLst>
+              <p:ext uri="{D42A27DB-BD31-4B8C-83A1-F6EECF244321}">
+                <p14:modId xmlns:p14="http://schemas.microsoft.com/office/powerpoint/2010/main" val="1182939482"/>
+              </p:ext>
+            </p:extLst>
+          </p:nvPr>
+        </p:nvGraphicFramePr>
+        <p:xfrm>
+          <a:off x="2880360" y="1447543"/>
+          <a:ext cx="3383280" cy="1645920"/>
+        </p:xfrm>
+        <a:graphic>
+          <a:graphicData uri="http://schemas.openxmlformats.org/drawingml/2006/table">
+            <a:tbl>
+              <a:tblPr>
+                <a:tableStyleId>{00A15C55-8517-42AA-B614-E9B94910E393}</a:tableStyleId>
+              </a:tblPr>
+              <a:tblGrid>
+                <a:gridCol w="3383280">
+                  <a:extLst>
+                    <a:ext uri="{9D8B030D-6E8A-4147-A177-3AD203B41FA5}">
+                      <a16:colId xmlns:a16="http://schemas.microsoft.com/office/drawing/2014/main" val="1695728431"/>
+                    </a:ext>
+                  </a:extLst>
+                </a:gridCol>
+              </a:tblGrid>
+              <a:tr h="548640">
+                <a:tc>
+                  <a:txBody>
+                    <a:bodyPr/>
+                    <a:lstStyle/>
+                    <a:p>
+                      <a:pPr>
+                        <a:lnSpc>
+                          <a:spcPct val="100000"/>
+                        </a:lnSpc>
+                        <a:spcAft>
+                          <a:spcPts val="0"/>
+                        </a:spcAft>
+                      </a:pPr>
+                      <a:r>
+                        <a:rPr lang="en-US" sz="2000" b="0" dirty="0">
+                          <a:solidFill>
+                            <a:schemeClr val="bg1">
+                              <a:lumMod val="65000"/>
+                            </a:schemeClr>
+                          </a:solidFill>
+                        </a:rPr>
+                        <a:t>Cluster Analysis</a:t>
+                      </a:r>
+                    </a:p>
+                  </a:txBody>
+                  <a:tcPr anchor="ctr">
+                    <a:lnB w="12700" cap="flat" cmpd="sng" algn="ctr">
+                      <a:solidFill>
+                        <a:schemeClr val="bg1">
+                          <a:lumMod val="65000"/>
+                        </a:schemeClr>
+                      </a:solidFill>
+                      <a:prstDash val="solid"/>
+                      <a:round/>
+                      <a:headEnd type="none" w="med" len="med"/>
+                      <a:tailEnd type="none" w="med" len="med"/>
+                    </a:lnB>
+                    <a:noFill/>
+                  </a:tcPr>
+                </a:tc>
+                <a:extLst>
+                  <a:ext uri="{0D108BD9-81ED-4DB2-BD59-A6C34878D82A}">
+                    <a16:rowId xmlns:a16="http://schemas.microsoft.com/office/drawing/2014/main" val="2307098774"/>
+                  </a:ext>
+                </a:extLst>
+              </a:tr>
+              <a:tr h="548640">
+                <a:tc>
+                  <a:txBody>
+                    <a:bodyPr/>
+                    <a:lstStyle/>
+                    <a:p>
+                      <a:pPr>
+                        <a:lnSpc>
+                          <a:spcPct val="100000"/>
+                        </a:lnSpc>
+                        <a:spcAft>
+                          <a:spcPts val="0"/>
+                        </a:spcAft>
+                      </a:pPr>
+                      <a:r>
+                        <a:rPr lang="en-US" sz="2000" b="1" dirty="0">
+                          <a:solidFill>
+                            <a:schemeClr val="tx1"/>
+                          </a:solidFill>
+                        </a:rPr>
+                        <a:t>Algorithms</a:t>
+                      </a:r>
+                    </a:p>
+                  </a:txBody>
+                  <a:tcPr anchor="ctr">
+                    <a:lnT w="12700" cap="flat" cmpd="sng" algn="ctr">
+                      <a:solidFill>
+                        <a:schemeClr val="bg1">
+                          <a:lumMod val="65000"/>
+                        </a:schemeClr>
+                      </a:solidFill>
+                      <a:prstDash val="solid"/>
+                      <a:round/>
+                      <a:headEnd type="none" w="med" len="med"/>
+                      <a:tailEnd type="none" w="med" len="med"/>
+                    </a:lnT>
+                    <a:lnB w="12700" cap="flat" cmpd="sng" algn="ctr">
+                      <a:solidFill>
+                        <a:schemeClr val="bg1">
+                          <a:lumMod val="65000"/>
+                        </a:schemeClr>
+                      </a:solidFill>
+                      <a:prstDash val="solid"/>
+                      <a:round/>
+                      <a:headEnd type="none" w="med" len="med"/>
+                      <a:tailEnd type="none" w="med" len="med"/>
+                    </a:lnB>
+                    <a:noFill/>
+                  </a:tcPr>
+                </a:tc>
+                <a:extLst>
+                  <a:ext uri="{0D108BD9-81ED-4DB2-BD59-A6C34878D82A}">
+                    <a16:rowId xmlns:a16="http://schemas.microsoft.com/office/drawing/2014/main" val="1466711860"/>
+                  </a:ext>
+                </a:extLst>
+              </a:tr>
+              <a:tr h="548640">
+                <a:tc>
+                  <a:txBody>
+                    <a:bodyPr/>
+                    <a:lstStyle/>
+                    <a:p>
+                      <a:pPr>
+                        <a:lnSpc>
+                          <a:spcPct val="100000"/>
+                        </a:lnSpc>
+                        <a:spcAft>
+                          <a:spcPts val="0"/>
+                        </a:spcAft>
+                      </a:pPr>
+                      <a:r>
+                        <a:rPr lang="en-US" sz="2000" dirty="0">
+                          <a:solidFill>
+                            <a:schemeClr val="bg1">
+                              <a:lumMod val="65000"/>
+                            </a:schemeClr>
+                          </a:solidFill>
+                        </a:rPr>
+                        <a:t>Chapter Summary</a:t>
+                      </a:r>
+                    </a:p>
+                  </a:txBody>
+                  <a:tcPr anchor="ctr">
+                    <a:lnT w="12700" cap="flat" cmpd="sng" algn="ctr">
+                      <a:solidFill>
+                        <a:schemeClr val="bg1">
+                          <a:lumMod val="65000"/>
+                        </a:schemeClr>
+                      </a:solidFill>
+                      <a:prstDash val="solid"/>
+                      <a:round/>
+                      <a:headEnd type="none" w="med" len="med"/>
+                      <a:tailEnd type="none" w="med" len="med"/>
+                    </a:lnT>
+                    <a:lnB w="12700" cap="flat" cmpd="sng" algn="ctr">
+                      <a:solidFill>
+                        <a:schemeClr val="bg1">
+                          <a:lumMod val="65000"/>
+                        </a:schemeClr>
+                      </a:solidFill>
+                      <a:prstDash val="solid"/>
+                      <a:round/>
+                      <a:headEnd type="none" w="med" len="med"/>
+                      <a:tailEnd type="none" w="med" len="med"/>
+                    </a:lnB>
+                    <a:noFill/>
+                  </a:tcPr>
+                </a:tc>
+                <a:extLst>
+                  <a:ext uri="{0D108BD9-81ED-4DB2-BD59-A6C34878D82A}">
+                    <a16:rowId xmlns:a16="http://schemas.microsoft.com/office/drawing/2014/main" val="376303497"/>
+                  </a:ext>
+                </a:extLst>
+              </a:tr>
+            </a:tbl>
+          </a:graphicData>
+        </a:graphic>
+      </p:graphicFrame>
     </p:spTree>
     <p:extLst>
       <p:ext uri="{BB962C8B-B14F-4D97-AF65-F5344CB8AC3E}">
@@ -11912,7 +11154,7 @@
           <a:p>
             <a:r>
               <a:rPr lang="en-US" dirty="0"/>
-              <a:t>K-Means In Actions</a:t>
+              <a:t>K-Means in Actions</a:t>
             </a:r>
           </a:p>
         </p:txBody>
@@ -11932,7 +11174,7 @@
           <p:nvPr/>
         </p:nvPicPr>
         <p:blipFill>
-          <a:blip r:embed="rId3">
+          <a:blip r:embed="rId3" cstate="print">
             <a:extLst>
               <a:ext uri="{28A0092B-C50C-407E-A947-70E740481C1C}">
                 <a14:useLocalDpi xmlns:a14="http://schemas.microsoft.com/office/drawing/2010/main" val="0"/>
@@ -11968,7 +11210,7 @@
           <p:nvPr/>
         </p:nvPicPr>
         <p:blipFill>
-          <a:blip r:embed="rId4">
+          <a:blip r:embed="rId4" cstate="print">
             <a:extLst>
               <a:ext uri="{28A0092B-C50C-407E-A947-70E740481C1C}">
                 <a14:useLocalDpi xmlns:a14="http://schemas.microsoft.com/office/drawing/2010/main" val="0"/>
@@ -12004,7 +11246,7 @@
           <p:nvPr/>
         </p:nvPicPr>
         <p:blipFill>
-          <a:blip r:embed="rId5">
+          <a:blip r:embed="rId5" cstate="print">
             <a:extLst>
               <a:ext uri="{28A0092B-C50C-407E-A947-70E740481C1C}">
                 <a14:useLocalDpi xmlns:a14="http://schemas.microsoft.com/office/drawing/2010/main" val="0"/>
@@ -12040,7 +11282,7 @@
           <p:nvPr/>
         </p:nvPicPr>
         <p:blipFill>
-          <a:blip r:embed="rId6">
+          <a:blip r:embed="rId6" cstate="print">
             <a:extLst>
               <a:ext uri="{28A0092B-C50C-407E-A947-70E740481C1C}">
                 <a14:useLocalDpi xmlns:a14="http://schemas.microsoft.com/office/drawing/2010/main" val="0"/>
@@ -12076,7 +11318,7 @@
           <p:nvPr/>
         </p:nvPicPr>
         <p:blipFill>
-          <a:blip r:embed="rId7">
+          <a:blip r:embed="rId7" cstate="print">
             <a:extLst>
               <a:ext uri="{28A0092B-C50C-407E-A947-70E740481C1C}">
                 <a14:useLocalDpi xmlns:a14="http://schemas.microsoft.com/office/drawing/2010/main" val="0"/>
@@ -13543,6 +12785,12 @@
 </file>
 
 <file path=customXml/item1.xml><?xml version="1.0" encoding="utf-8"?>
+<p:properties xmlns:p="http://schemas.microsoft.com/office/2006/metadata/properties" xmlns:xsi="http://www.w3.org/2001/XMLSchema-instance" xmlns:pc="http://schemas.microsoft.com/office/infopath/2007/PartnerControls">
+  <documentManagement/>
+</p:properties>
+</file>
+
+<file path=customXml/item2.xml><?xml version="1.0" encoding="utf-8"?>
 <ct:contentTypeSchema xmlns:ct="http://schemas.microsoft.com/office/2006/metadata/contentType" xmlns:ma="http://schemas.microsoft.com/office/2006/metadata/properties/metaAttributes" ct:_="" ma:_="" ma:contentTypeName="Document" ma:contentTypeID="0x0101004C58D7A746750E48B9E257CBBD401C71" ma:contentTypeVersion="5" ma:contentTypeDescription="Create a new document." ma:contentTypeScope="" ma:versionID="9b104746e7bcdc89d5c9d8909bc79033">
   <xsd:schema xmlns:xsd="http://www.w3.org/2001/XMLSchema" xmlns:xs="http://www.w3.org/2001/XMLSchema" xmlns:p="http://schemas.microsoft.com/office/2006/metadata/properties" xmlns:ns2="3f1ded34-099e-46dd-b0de-95a90e7e1e5f" targetNamespace="http://schemas.microsoft.com/office/2006/metadata/properties" ma:root="true" ma:fieldsID="39039af933a2d9dca5a96354c4c2b0ed" ns2:_="">
     <xsd:import namespace="3f1ded34-099e-46dd-b0de-95a90e7e1e5f"/>
@@ -13694,7 +12942,7 @@
 </ct:contentTypeSchema>
 </file>
 
-<file path=customXml/item2.xml><?xml version="1.0" encoding="utf-8"?>
+<file path=customXml/item3.xml><?xml version="1.0" encoding="utf-8"?>
 <?mso-contentType ?>
 <FormTemplates xmlns="http://schemas.microsoft.com/sharepoint/v3/contenttype/forms">
   <Display>DocumentLibraryForm</Display>
@@ -13703,13 +12951,16 @@
 </FormTemplates>
 </file>
 
-<file path=customXml/item3.xml><?xml version="1.0" encoding="utf-8"?>
-<p:properties xmlns:p="http://schemas.microsoft.com/office/2006/metadata/properties" xmlns:xsi="http://www.w3.org/2001/XMLSchema-instance" xmlns:pc="http://schemas.microsoft.com/office/infopath/2007/PartnerControls">
-  <documentManagement/>
-</p:properties>
+<file path=customXml/itemProps1.xml><?xml version="1.0" encoding="utf-8"?>
+<ds:datastoreItem xmlns:ds="http://schemas.openxmlformats.org/officeDocument/2006/customXml" ds:itemID="{F47B9207-CE5C-49AD-B414-15CBFA246D65}">
+  <ds:schemaRefs>
+    <ds:schemaRef ds:uri="http://schemas.microsoft.com/office/2006/metadata/properties"/>
+    <ds:schemaRef ds:uri="http://schemas.microsoft.com/office/infopath/2007/PartnerControls"/>
+  </ds:schemaRefs>
+</ds:datastoreItem>
 </file>
 
-<file path=customXml/itemProps1.xml><?xml version="1.0" encoding="utf-8"?>
+<file path=customXml/itemProps2.xml><?xml version="1.0" encoding="utf-8"?>
 <ds:datastoreItem xmlns:ds="http://schemas.openxmlformats.org/officeDocument/2006/customXml" ds:itemID="{6751EBC6-C433-43E6-8F46-C6D6D677BF51}">
   <ds:schemaRefs>
     <ds:schemaRef ds:uri="http://schemas.microsoft.com/office/2006/metadata/contentType"/>
@@ -13727,19 +12978,10 @@
 </ds:datastoreItem>
 </file>
 
-<file path=customXml/itemProps2.xml><?xml version="1.0" encoding="utf-8"?>
+<file path=customXml/itemProps3.xml><?xml version="1.0" encoding="utf-8"?>
 <ds:datastoreItem xmlns:ds="http://schemas.openxmlformats.org/officeDocument/2006/customXml" ds:itemID="{2DA015F3-603C-4688-A5F3-81D587DAB8C9}">
   <ds:schemaRefs>
     <ds:schemaRef ds:uri="http://schemas.microsoft.com/sharepoint/v3/contenttype/forms"/>
   </ds:schemaRefs>
 </ds:datastoreItem>
-</file>
-
-<file path=customXml/itemProps3.xml><?xml version="1.0" encoding="utf-8"?>
-<ds:datastoreItem xmlns:ds="http://schemas.openxmlformats.org/officeDocument/2006/customXml" ds:itemID="{F47B9207-CE5C-49AD-B414-15CBFA246D65}">
-  <ds:schemaRefs>
-    <ds:schemaRef ds:uri="http://schemas.microsoft.com/office/2006/metadata/properties"/>
-    <ds:schemaRef ds:uri="http://schemas.microsoft.com/office/infopath/2007/PartnerControls"/>
-  </ds:schemaRefs>
-</ds:datastoreItem>
 </file>
--- a/811M-Ch06_ClusterAnalysis.pptx
+++ b/811M-Ch06_ClusterAnalysis.pptx
@@ -10251,7 +10251,13 @@
       </p:grpSpPr>
       <p:sp>
         <p:nvSpPr>
-          <p:cNvPr id="3" name="Content Placeholder 2"/>
+          <p:cNvPr id="7" name="Content Placeholder 2">
+            <a:extLst>
+              <a:ext uri="{FF2B5EF4-FFF2-40B4-BE49-F238E27FC236}">
+                <a16:creationId xmlns:a16="http://schemas.microsoft.com/office/drawing/2014/main" id="{21DB70C6-20F4-4266-B9CD-B5F54F8F287A}"/>
+              </a:ext>
+            </a:extLst>
+          </p:cNvPr>
           <p:cNvSpPr>
             <a:spLocks noGrp="1"/>
           </p:cNvSpPr>
@@ -10259,7 +10265,12 @@
             <p:ph idx="1"/>
           </p:nvPr>
         </p:nvSpPr>
-        <p:spPr/>
+        <p:spPr>
+          <a:xfrm>
+            <a:off x="581025" y="1155614"/>
+            <a:ext cx="8020050" cy="5072616"/>
+          </a:xfrm>
+        </p:spPr>
         <p:txBody>
           <a:bodyPr/>
           <a:lstStyle/>
@@ -10276,7 +10287,13 @@
       </p:sp>
       <p:sp>
         <p:nvSpPr>
-          <p:cNvPr id="2" name="Title 1"/>
+          <p:cNvPr id="8" name="Title 1">
+            <a:extLst>
+              <a:ext uri="{FF2B5EF4-FFF2-40B4-BE49-F238E27FC236}">
+                <a16:creationId xmlns:a16="http://schemas.microsoft.com/office/drawing/2014/main" id="{474566A8-5B73-4808-A972-751F1D3C0551}"/>
+              </a:ext>
+            </a:extLst>
+          </p:cNvPr>
           <p:cNvSpPr>
             <a:spLocks noGrp="1"/>
           </p:cNvSpPr>
@@ -10284,7 +10301,12 @@
             <p:ph type="title"/>
           </p:nvPr>
         </p:nvSpPr>
-        <p:spPr/>
+        <p:spPr>
+          <a:xfrm>
+            <a:off x="1050925" y="290495"/>
+            <a:ext cx="7002463" cy="627062"/>
+          </a:xfrm>
+        </p:spPr>
         <p:txBody>
           <a:bodyPr/>
           <a:lstStyle/>
@@ -10298,10 +10320,10 @@
       </p:sp>
       <p:sp>
         <p:nvSpPr>
-          <p:cNvPr id="4" name="TextBox 3">
+          <p:cNvPr id="9" name="TextBox 8">
             <a:extLst>
               <a:ext uri="{FF2B5EF4-FFF2-40B4-BE49-F238E27FC236}">
-                <a16:creationId xmlns:a16="http://schemas.microsoft.com/office/drawing/2014/main" id="{B25BD5BC-E8B9-4540-A404-A5C6B4AFC25D}"/>
+                <a16:creationId xmlns:a16="http://schemas.microsoft.com/office/drawing/2014/main" id="{63705DED-C5C2-4B75-BC8E-F49F5FF374C2}"/>
               </a:ext>
             </a:extLst>
           </p:cNvPr>
@@ -10311,7 +10333,7 @@
         <p:spPr>
           <a:xfrm>
             <a:off x="587695" y="1958829"/>
-            <a:ext cx="7968611" cy="3539430"/>
+            <a:ext cx="7968611" cy="3293209"/>
           </a:xfrm>
           <a:prstGeom prst="rect">
             <a:avLst/>
@@ -10453,13 +10475,7 @@
           <a:p>
             <a:r>
               <a:rPr lang="en-US" sz="1600" b="1" dirty="0"/>
-              <a:t>from sklearn.cluster </a:t>
-            </a:r>
-          </a:p>
-          <a:p>
-            <a:r>
-              <a:rPr lang="en-US" sz="1600" b="1" dirty="0"/>
-              <a:t>import Kmeans</a:t>
+              <a:t>from sklearn.cluster import KMeans</a:t>
             </a:r>
           </a:p>
           <a:p>
@@ -10471,7 +10487,7 @@
           <a:p>
             <a:r>
               <a:rPr lang="en-US" sz="1600" b="1" dirty="0"/>
-              <a:t># Creating a sample dataset with 4 clusters</a:t>
+              <a:t># Creating a sample dataset with 3 clusters</a:t>
             </a:r>
           </a:p>
           <a:p>
@@ -12791,6 +12807,15 @@
 </file>
 
 <file path=customXml/item2.xml><?xml version="1.0" encoding="utf-8"?>
+<?mso-contentType ?>
+<FormTemplates xmlns="http://schemas.microsoft.com/sharepoint/v3/contenttype/forms">
+  <Display>DocumentLibraryForm</Display>
+  <Edit>DocumentLibraryForm</Edit>
+  <New>DocumentLibraryForm</New>
+</FormTemplates>
+</file>
+
+<file path=customXml/item3.xml><?xml version="1.0" encoding="utf-8"?>
 <ct:contentTypeSchema xmlns:ct="http://schemas.microsoft.com/office/2006/metadata/contentType" xmlns:ma="http://schemas.microsoft.com/office/2006/metadata/properties/metaAttributes" ct:_="" ma:_="" ma:contentTypeName="Document" ma:contentTypeID="0x0101004C58D7A746750E48B9E257CBBD401C71" ma:contentTypeVersion="5" ma:contentTypeDescription="Create a new document." ma:contentTypeScope="" ma:versionID="9b104746e7bcdc89d5c9d8909bc79033">
   <xsd:schema xmlns:xsd="http://www.w3.org/2001/XMLSchema" xmlns:xs="http://www.w3.org/2001/XMLSchema" xmlns:p="http://schemas.microsoft.com/office/2006/metadata/properties" xmlns:ns2="3f1ded34-099e-46dd-b0de-95a90e7e1e5f" targetNamespace="http://schemas.microsoft.com/office/2006/metadata/properties" ma:root="true" ma:fieldsID="39039af933a2d9dca5a96354c4c2b0ed" ns2:_="">
     <xsd:import namespace="3f1ded34-099e-46dd-b0de-95a90e7e1e5f"/>
@@ -12942,15 +12967,6 @@
 </ct:contentTypeSchema>
 </file>
 
-<file path=customXml/item3.xml><?xml version="1.0" encoding="utf-8"?>
-<?mso-contentType ?>
-<FormTemplates xmlns="http://schemas.microsoft.com/sharepoint/v3/contenttype/forms">
-  <Display>DocumentLibraryForm</Display>
-  <Edit>DocumentLibraryForm</Edit>
-  <New>DocumentLibraryForm</New>
-</FormTemplates>
-</file>
-
 <file path=customXml/itemProps1.xml><?xml version="1.0" encoding="utf-8"?>
 <ds:datastoreItem xmlns:ds="http://schemas.openxmlformats.org/officeDocument/2006/customXml" ds:itemID="{F47B9207-CE5C-49AD-B414-15CBFA246D65}">
   <ds:schemaRefs>
@@ -12961,6 +12977,14 @@
 </file>
 
 <file path=customXml/itemProps2.xml><?xml version="1.0" encoding="utf-8"?>
+<ds:datastoreItem xmlns:ds="http://schemas.openxmlformats.org/officeDocument/2006/customXml" ds:itemID="{2DA015F3-603C-4688-A5F3-81D587DAB8C9}">
+  <ds:schemaRefs>
+    <ds:schemaRef ds:uri="http://schemas.microsoft.com/sharepoint/v3/contenttype/forms"/>
+  </ds:schemaRefs>
+</ds:datastoreItem>
+</file>
+
+<file path=customXml/itemProps3.xml><?xml version="1.0" encoding="utf-8"?>
 <ds:datastoreItem xmlns:ds="http://schemas.openxmlformats.org/officeDocument/2006/customXml" ds:itemID="{6751EBC6-C433-43E6-8F46-C6D6D677BF51}">
   <ds:schemaRefs>
     <ds:schemaRef ds:uri="http://schemas.microsoft.com/office/2006/metadata/contentType"/>
@@ -12976,12 +13000,4 @@
     <ds:schemaRef ds:uri="http://schemas.microsoft.com/internal/obd"/>
   </ds:schemaRefs>
 </ds:datastoreItem>
-</file>
-
-<file path=customXml/itemProps3.xml><?xml version="1.0" encoding="utf-8"?>
-<ds:datastoreItem xmlns:ds="http://schemas.openxmlformats.org/officeDocument/2006/customXml" ds:itemID="{2DA015F3-603C-4688-A5F3-81D587DAB8C9}">
-  <ds:schemaRefs>
-    <ds:schemaRef ds:uri="http://schemas.microsoft.com/sharepoint/v3/contenttype/forms"/>
-  </ds:schemaRefs>
-</ds:datastoreItem>
 </file>